--- a/files/presentations/meetup-snds3/2019.09.19_Heva_Boite-a-outil-data-scientist_MPL-2.0.pptx
+++ b/files/presentations/meetup-snds3/2019.09.19_Heva_Boite-a-outil-data-scientist_MPL-2.0.pptx
@@ -5720,7 +5720,7 @@
   <dgm:whole/>
   <dgm:extLst>
     <a:ext uri="http://schemas.microsoft.com/office/drawing/2008/diagram">
-      <dsp:dataModelExt xmlns:dsp="http://schemas.microsoft.com/office/drawing/2008/diagram" relId="rId10" minVer="http://schemas.openxmlformats.org/drawingml/2006/diagram"/>
+      <dsp:dataModelExt xmlns:dsp="http://schemas.microsoft.com/office/drawing/2008/diagram" relId="rId7" minVer="http://schemas.openxmlformats.org/drawingml/2006/diagram"/>
     </a:ext>
   </dgm:extLst>
 </dgm:dataModel>
@@ -5979,7 +5979,7 @@
   <dgm:whole/>
   <dgm:extLst>
     <a:ext uri="http://schemas.microsoft.com/office/drawing/2008/diagram">
-      <dsp:dataModelExt xmlns:dsp="http://schemas.microsoft.com/office/drawing/2008/diagram" relId="rId15" minVer="http://schemas.openxmlformats.org/drawingml/2006/diagram"/>
+      <dsp:dataModelExt xmlns:dsp="http://schemas.microsoft.com/office/drawing/2008/diagram" relId="rId12" minVer="http://schemas.openxmlformats.org/drawingml/2006/diagram"/>
     </a:ext>
   </dgm:extLst>
 </dgm:dataModel>
@@ -6226,7 +6226,7 @@
   <dgm:whole/>
   <dgm:extLst>
     <a:ext uri="http://schemas.microsoft.com/office/drawing/2008/diagram">
-      <dsp:dataModelExt xmlns:dsp="http://schemas.microsoft.com/office/drawing/2008/diagram" relId="rId20" minVer="http://schemas.openxmlformats.org/drawingml/2006/diagram"/>
+      <dsp:dataModelExt xmlns:dsp="http://schemas.microsoft.com/office/drawing/2008/diagram" relId="rId17" minVer="http://schemas.openxmlformats.org/drawingml/2006/diagram"/>
     </a:ext>
   </dgm:extLst>
 </dgm:dataModel>
@@ -16712,7 +16712,7 @@
           <a:p>
             <a:fld id="{7A2A5D60-8876-6242-A6E2-1F97A9D3A62D}" type="datetimeFigureOut">
               <a:rPr lang="fr-FR" smtClean="0"/>
-              <a:t>19/09/2019</a:t>
+              <a:t>30/09/2019</a:t>
             </a:fld>
             <a:endParaRPr lang="fr-FR"/>
           </a:p>
@@ -16889,7 +16889,7 @@
           <a:p>
             <a:fld id="{B61E0070-92B1-F348-AE93-453A18C6715B}" type="datetimeFigureOut">
               <a:rPr lang="fr-FR" smtClean="0"/>
-              <a:t>19/09/2019</a:t>
+              <a:t>30/09/2019</a:t>
             </a:fld>
             <a:endParaRPr lang="fr-FR"/>
           </a:p>
@@ -17200,7 +17200,7 @@
           <a:bodyPr/>
           <a:lstStyle/>
           <a:p>
-            <a:endParaRPr lang="fr-FR"/>
+            <a:endParaRPr lang="fr-FR" dirty="0"/>
           </a:p>
         </p:txBody>
       </p:sp>
@@ -17284,40 +17284,6 @@
           <a:bodyPr/>
           <a:lstStyle/>
           <a:p>
-            <a:r>
-              <a:rPr lang="fr-FR" dirty="0" err="1"/>
-              <a:t>Big</a:t>
-            </a:r>
-            <a:r>
-              <a:rPr lang="fr-FR" dirty="0"/>
-              <a:t> Data : les grands volumes</a:t>
-            </a:r>
-            <a:r>
-              <a:rPr lang="fr-FR" baseline="0" dirty="0"/>
-              <a:t> de données</a:t>
-            </a:r>
-          </a:p>
-          <a:p>
-            <a:r>
-              <a:rPr lang="fr-FR" baseline="0" dirty="0"/>
-              <a:t>IA : vaste domaine regroupant différentes applications (donner à la machine des compétences permettant d’effectuer des tâches jusqu’alors faites par l’Homme, la robotique par exemple)</a:t>
-            </a:r>
-          </a:p>
-          <a:p>
-            <a:r>
-              <a:rPr lang="fr-FR" dirty="0"/>
-              <a:t>Data</a:t>
-            </a:r>
-            <a:r>
-              <a:rPr lang="fr-FR" baseline="0" dirty="0"/>
-              <a:t> Mining : aller rechercher de l’information, de la connaissance dans les données (des conclusions utiles) et la structurer</a:t>
-            </a:r>
-          </a:p>
-          <a:p>
-            <a:r>
-              <a:rPr lang="fr-FR" baseline="0" dirty="0"/>
-              <a:t>Machine Learning : c’est la boîte à outils : apprentissage machine, automatique, à partir des données (sous domaine de l’IA avec, par exemple)</a:t>
-            </a:r>
             <a:endParaRPr lang="fr-FR" dirty="0"/>
           </a:p>
         </p:txBody>
@@ -17402,10 +17368,7 @@
           <a:bodyPr/>
           <a:lstStyle/>
           <a:p>
-            <a:r>
-              <a:rPr lang="fr-FR" dirty="0"/>
-              <a:t>Martin</a:t>
-            </a:r>
+            <a:endParaRPr lang="fr-FR" dirty="0"/>
           </a:p>
         </p:txBody>
       </p:sp>
@@ -17489,7 +17452,7 @@
           <a:bodyPr/>
           <a:lstStyle/>
           <a:p>
-            <a:endParaRPr lang="fr-FR" dirty="0"/>
+            <a:endParaRPr lang="en-US" dirty="0"/>
           </a:p>
         </p:txBody>
       </p:sp>
@@ -17510,7 +17473,7 @@
           <a:p>
             <a:fld id="{6661C6D0-AD76-0745-9950-9769907A8600}" type="slidenum">
               <a:rPr lang="fr-FR" smtClean="0"/>
-              <a:t>6</a:t>
+              <a:t>4</a:t>
             </a:fld>
             <a:endParaRPr lang="fr-FR"/>
           </a:p>
@@ -17519,7 +17482,7 @@
     </p:spTree>
     <p:extLst>
       <p:ext uri="{BB962C8B-B14F-4D97-AF65-F5344CB8AC3E}">
-        <p14:creationId xmlns:p14="http://schemas.microsoft.com/office/powerpoint/2010/main" val="1845900792"/>
+        <p14:creationId xmlns:p14="http://schemas.microsoft.com/office/powerpoint/2010/main" val="757117400"/>
       </p:ext>
     </p:extLst>
   </p:cSld>
@@ -17573,10 +17536,91 @@
           <a:bodyPr/>
           <a:lstStyle/>
           <a:p>
-            <a:r>
-              <a:rPr lang="fr-FR" dirty="0"/>
-              <a:t>6min30</a:t>
-            </a:r>
+            <a:endParaRPr lang="fr-FR" dirty="0"/>
+          </a:p>
+        </p:txBody>
+      </p:sp>
+      <p:sp>
+        <p:nvSpPr>
+          <p:cNvPr id="4" name="Espace réservé du numéro de diapositive 3"/>
+          <p:cNvSpPr>
+            <a:spLocks noGrp="1"/>
+          </p:cNvSpPr>
+          <p:nvPr>
+            <p:ph type="sldNum" sz="quarter" idx="5"/>
+          </p:nvPr>
+        </p:nvSpPr>
+        <p:spPr/>
+        <p:txBody>
+          <a:bodyPr/>
+          <a:lstStyle/>
+          <a:p>
+            <a:fld id="{6661C6D0-AD76-0745-9950-9769907A8600}" type="slidenum">
+              <a:rPr lang="fr-FR" smtClean="0"/>
+              <a:t>6</a:t>
+            </a:fld>
+            <a:endParaRPr lang="fr-FR"/>
+          </a:p>
+        </p:txBody>
+      </p:sp>
+    </p:spTree>
+    <p:extLst>
+      <p:ext uri="{BB962C8B-B14F-4D97-AF65-F5344CB8AC3E}">
+        <p14:creationId xmlns:p14="http://schemas.microsoft.com/office/powerpoint/2010/main" val="1845900792"/>
+      </p:ext>
+    </p:extLst>
+  </p:cSld>
+  <p:clrMapOvr>
+    <a:masterClrMapping/>
+  </p:clrMapOvr>
+</p:notes>
+</file>
+
+<file path=ppt/notesSlides/notesSlide6.xml><?xml version="1.0" encoding="utf-8"?>
+<p:notes xmlns:a="http://schemas.openxmlformats.org/drawingml/2006/main" xmlns:r="http://schemas.openxmlformats.org/officeDocument/2006/relationships" xmlns:p="http://schemas.openxmlformats.org/presentationml/2006/main">
+  <p:cSld>
+    <p:spTree>
+      <p:nvGrpSpPr>
+        <p:cNvPr id="1" name=""/>
+        <p:cNvGrpSpPr/>
+        <p:nvPr/>
+      </p:nvGrpSpPr>
+      <p:grpSpPr>
+        <a:xfrm>
+          <a:off x="0" y="0"/>
+          <a:ext cx="0" cy="0"/>
+          <a:chOff x="0" y="0"/>
+          <a:chExt cx="0" cy="0"/>
+        </a:xfrm>
+      </p:grpSpPr>
+      <p:sp>
+        <p:nvSpPr>
+          <p:cNvPr id="2" name="Espace réservé de l'image des diapositives 1"/>
+          <p:cNvSpPr>
+            <a:spLocks noGrp="1" noRot="1" noChangeAspect="1"/>
+          </p:cNvSpPr>
+          <p:nvPr>
+            <p:ph type="sldImg"/>
+          </p:nvPr>
+        </p:nvSpPr>
+        <p:spPr/>
+      </p:sp>
+      <p:sp>
+        <p:nvSpPr>
+          <p:cNvPr id="3" name="Espace réservé des notes 2"/>
+          <p:cNvSpPr>
+            <a:spLocks noGrp="1"/>
+          </p:cNvSpPr>
+          <p:nvPr>
+            <p:ph type="body" idx="1"/>
+          </p:nvPr>
+        </p:nvSpPr>
+        <p:spPr/>
+        <p:txBody>
+          <a:bodyPr/>
+          <a:lstStyle/>
+          <a:p>
+            <a:endParaRPr lang="fr-FR" dirty="0"/>
           </a:p>
         </p:txBody>
       </p:sp>
@@ -17616,7 +17660,7 @@
 </p:notes>
 </file>
 
-<file path=ppt/notesSlides/notesSlide6.xml><?xml version="1.0" encoding="utf-8"?>
+<file path=ppt/notesSlides/notesSlide7.xml><?xml version="1.0" encoding="utf-8"?>
 <p:notes xmlns:a="http://schemas.openxmlformats.org/drawingml/2006/main" xmlns:r="http://schemas.openxmlformats.org/officeDocument/2006/relationships" xmlns:p="http://schemas.openxmlformats.org/presentationml/2006/main">
   <p:cSld>
     <p:spTree>
@@ -17700,7 +17744,7 @@
 </p:notes>
 </file>
 
-<file path=ppt/notesSlides/notesSlide7.xml><?xml version="1.0" encoding="utf-8"?>
+<file path=ppt/notesSlides/notesSlide8.xml><?xml version="1.0" encoding="utf-8"?>
 <p:notes xmlns:a="http://schemas.openxmlformats.org/drawingml/2006/main" xmlns:r="http://schemas.openxmlformats.org/officeDocument/2006/relationships" xmlns:p="http://schemas.openxmlformats.org/presentationml/2006/main">
   <p:cSld>
     <p:spTree>
@@ -17744,10 +17788,7 @@
           <a:bodyPr/>
           <a:lstStyle/>
           <a:p>
-            <a:r>
-              <a:rPr lang="en-US" dirty="0"/>
-              <a:t>IBM / Microsoft / SAS </a:t>
-            </a:r>
+            <a:endParaRPr lang="en-US" dirty="0"/>
           </a:p>
         </p:txBody>
       </p:sp>
@@ -17787,7 +17828,7 @@
 </p:notes>
 </file>
 
-<file path=ppt/notesSlides/notesSlide8.xml><?xml version="1.0" encoding="utf-8"?>
+<file path=ppt/notesSlides/notesSlide9.xml><?xml version="1.0" encoding="utf-8"?>
 <p:notes xmlns:a="http://schemas.openxmlformats.org/drawingml/2006/main" xmlns:r="http://schemas.openxmlformats.org/officeDocument/2006/relationships" xmlns:p="http://schemas.openxmlformats.org/presentationml/2006/main">
   <p:cSld>
     <p:spTree>
@@ -17940,7 +17981,7 @@
             <a:fld id="{CD4734D4-9601-ED46-BF96-CF441431CF29}" type="datetime2">
               <a:rPr lang="fr-FR" smtClean="0"/>
               <a:pPr/>
-              <a:t>jeudi 19 septembre 2019</a:t>
+              <a:t>lundi 30 septembre 2019</a:t>
             </a:fld>
             <a:endParaRPr lang="fr-FR" dirty="0"/>
           </a:p>
@@ -18567,7 +18608,7 @@
             <a:fld id="{CD4734D4-9601-ED46-BF96-CF441431CF29}" type="datetime2">
               <a:rPr lang="fr-FR" smtClean="0"/>
               <a:pPr/>
-              <a:t>jeudi 19 septembre 2019</a:t>
+              <a:t>lundi 30 septembre 2019</a:t>
             </a:fld>
             <a:endParaRPr lang="fr-FR" dirty="0"/>
           </a:p>
@@ -19118,7 +19159,7 @@
             <a:fld id="{CD4734D4-9601-ED46-BF96-CF441431CF29}" type="datetime2">
               <a:rPr lang="fr-FR" smtClean="0"/>
               <a:pPr/>
-              <a:t>jeudi 19 septembre 2019</a:t>
+              <a:t>lundi 30 septembre 2019</a:t>
             </a:fld>
             <a:endParaRPr lang="fr-FR" dirty="0"/>
           </a:p>
@@ -19389,7 +19430,7 @@
             <a:fld id="{CD4734D4-9601-ED46-BF96-CF441431CF29}" type="datetime2">
               <a:rPr lang="fr-FR" smtClean="0"/>
               <a:pPr/>
-              <a:t>jeudi 19 septembre 2019</a:t>
+              <a:t>lundi 30 septembre 2019</a:t>
             </a:fld>
             <a:endParaRPr lang="fr-FR" dirty="0"/>
           </a:p>
@@ -19737,7 +19778,7 @@
             <a:fld id="{CD4734D4-9601-ED46-BF96-CF441431CF29}" type="datetime2">
               <a:rPr lang="fr-FR" smtClean="0"/>
               <a:pPr/>
-              <a:t>jeudi 19 septembre 2019</a:t>
+              <a:t>lundi 30 septembre 2019</a:t>
             </a:fld>
             <a:endParaRPr lang="fr-FR" dirty="0"/>
           </a:p>
@@ -20119,7 +20160,7 @@
             <a:fld id="{CD4734D4-9601-ED46-BF96-CF441431CF29}" type="datetime2">
               <a:rPr lang="fr-FR" smtClean="0"/>
               <a:pPr/>
-              <a:t>jeudi 19 septembre 2019</a:t>
+              <a:t>lundi 30 septembre 2019</a:t>
             </a:fld>
             <a:endParaRPr lang="fr-FR" dirty="0"/>
           </a:p>
@@ -20460,7 +20501,7 @@
             <a:fld id="{CD4734D4-9601-ED46-BF96-CF441431CF29}" type="datetime2">
               <a:rPr lang="fr-FR" smtClean="0"/>
               <a:pPr/>
-              <a:t>jeudi 19 septembre 2019</a:t>
+              <a:t>lundi 30 septembre 2019</a:t>
             </a:fld>
             <a:endParaRPr lang="fr-FR" dirty="0"/>
           </a:p>
@@ -20877,7 +20918,7 @@
             <a:fld id="{CD4734D4-9601-ED46-BF96-CF441431CF29}" type="datetime2">
               <a:rPr lang="fr-FR" smtClean="0"/>
               <a:pPr/>
-              <a:t>jeudi 19 septembre 2019</a:t>
+              <a:t>lundi 30 septembre 2019</a:t>
             </a:fld>
             <a:endParaRPr lang="fr-FR" dirty="0"/>
           </a:p>
@@ -21187,7 +21228,7 @@
             <a:fld id="{CD4734D4-9601-ED46-BF96-CF441431CF29}" type="datetime2">
               <a:rPr lang="fr-FR" smtClean="0"/>
               <a:pPr/>
-              <a:t>jeudi 19 septembre 2019</a:t>
+              <a:t>lundi 30 septembre 2019</a:t>
             </a:fld>
             <a:endParaRPr lang="fr-FR" dirty="0"/>
           </a:p>
@@ -21573,7 +21614,7 @@
             <a:fld id="{CD4734D4-9601-ED46-BF96-CF441431CF29}" type="datetime2">
               <a:rPr lang="fr-FR" smtClean="0"/>
               <a:pPr/>
-              <a:t>jeudi 19 septembre 2019</a:t>
+              <a:t>lundi 30 septembre 2019</a:t>
             </a:fld>
             <a:endParaRPr lang="fr-FR" dirty="0"/>
           </a:p>
@@ -22157,7 +22198,7 @@
             <a:fld id="{CD4734D4-9601-ED46-BF96-CF441431CF29}" type="datetime2">
               <a:rPr lang="fr-FR" smtClean="0"/>
               <a:pPr/>
-              <a:t>jeudi 19 septembre 2019</a:t>
+              <a:t>lundi 30 septembre 2019</a:t>
             </a:fld>
             <a:endParaRPr lang="fr-FR" dirty="0"/>
           </a:p>
@@ -22442,7 +22483,7 @@
             <a:fld id="{CD4734D4-9601-ED46-BF96-CF441431CF29}" type="datetime2">
               <a:rPr lang="fr-FR" smtClean="0"/>
               <a:pPr/>
-              <a:t>jeudi 19 septembre 2019</a:t>
+              <a:t>lundi 30 septembre 2019</a:t>
             </a:fld>
             <a:endParaRPr lang="fr-FR" dirty="0"/>
           </a:p>
@@ -23122,7 +23163,7 @@
             <a:fld id="{CD4734D4-9601-ED46-BF96-CF441431CF29}" type="datetime2">
               <a:rPr lang="fr-FR" smtClean="0"/>
               <a:pPr/>
-              <a:t>jeudi 19 septembre 2019</a:t>
+              <a:t>lundi 30 septembre 2019</a:t>
             </a:fld>
             <a:endParaRPr lang="fr-FR" dirty="0"/>
           </a:p>
@@ -23726,7 +23767,7 @@
             <a:fld id="{CD4734D4-9601-ED46-BF96-CF441431CF29}" type="datetime2">
               <a:rPr lang="fr-FR" smtClean="0"/>
               <a:pPr/>
-              <a:t>jeudi 19 septembre 2019</a:t>
+              <a:t>lundi 30 septembre 2019</a:t>
             </a:fld>
             <a:endParaRPr lang="fr-FR" dirty="0"/>
           </a:p>
@@ -24151,7 +24192,7 @@
             <a:fld id="{CD4734D4-9601-ED46-BF96-CF441431CF29}" type="datetime2">
               <a:rPr lang="fr-FR" smtClean="0"/>
               <a:pPr/>
-              <a:t>jeudi 19 septembre 2019</a:t>
+              <a:t>lundi 30 septembre 2019</a:t>
             </a:fld>
             <a:endParaRPr lang="fr-FR" dirty="0"/>
           </a:p>
@@ -24249,7 +24290,7 @@
           <a:p>
             <a:fld id="{CD4734D4-9601-ED46-BF96-CF441431CF29}" type="datetime2">
               <a:rPr lang="fr-FR" smtClean="0"/>
-              <a:t>jeudi 19 septembre 2019</a:t>
+              <a:t>lundi 30 septembre 2019</a:t>
             </a:fld>
             <a:endParaRPr lang="fr-FR" dirty="0"/>
           </a:p>
@@ -24473,7 +24514,7 @@
           <a:p>
             <a:fld id="{CD4734D4-9601-ED46-BF96-CF441431CF29}" type="datetime2">
               <a:rPr lang="fr-FR" smtClean="0"/>
-              <a:t>jeudi 19 septembre 2019</a:t>
+              <a:t>lundi 30 septembre 2019</a:t>
             </a:fld>
             <a:endParaRPr lang="fr-FR" dirty="0"/>
           </a:p>
@@ -25130,7 +25171,7 @@
             <a:fld id="{CD4734D4-9601-ED46-BF96-CF441431CF29}" type="datetime2">
               <a:rPr lang="fr-FR" smtClean="0"/>
               <a:pPr/>
-              <a:t>jeudi 19 septembre 2019</a:t>
+              <a:t>lundi 30 septembre 2019</a:t>
             </a:fld>
             <a:endParaRPr lang="fr-FR" dirty="0"/>
           </a:p>
@@ -25287,7 +25328,7 @@
             <a:fld id="{CD4734D4-9601-ED46-BF96-CF441431CF29}" type="datetime2">
               <a:rPr lang="fr-FR" smtClean="0"/>
               <a:pPr/>
-              <a:t>jeudi 19 septembre 2019</a:t>
+              <a:t>lundi 30 septembre 2019</a:t>
             </a:fld>
             <a:endParaRPr lang="fr-FR" dirty="0"/>
           </a:p>
@@ -25601,7 +25642,7 @@
             <a:fld id="{CD4734D4-9601-ED46-BF96-CF441431CF29}" type="datetime2">
               <a:rPr lang="fr-FR" smtClean="0"/>
               <a:pPr/>
-              <a:t>jeudi 19 septembre 2019</a:t>
+              <a:t>lundi 30 septembre 2019</a:t>
             </a:fld>
             <a:endParaRPr lang="fr-FR" dirty="0"/>
           </a:p>
@@ -25962,7 +26003,7 @@
             <a:fld id="{CD4734D4-9601-ED46-BF96-CF441431CF29}" type="datetime2">
               <a:rPr lang="fr-FR" smtClean="0"/>
               <a:pPr/>
-              <a:t>jeudi 19 septembre 2019</a:t>
+              <a:t>lundi 30 septembre 2019</a:t>
             </a:fld>
             <a:endParaRPr lang="fr-FR" dirty="0"/>
           </a:p>
@@ -26247,7 +26288,7 @@
             <a:fld id="{CD4734D4-9601-ED46-BF96-CF441431CF29}" type="datetime2">
               <a:rPr lang="fr-FR" smtClean="0"/>
               <a:pPr/>
-              <a:t>jeudi 19 septembre 2019</a:t>
+              <a:t>lundi 30 septembre 2019</a:t>
             </a:fld>
             <a:endParaRPr lang="fr-FR" dirty="0"/>
           </a:p>
@@ -26642,7 +26683,7 @@
             <a:fld id="{CD4734D4-9601-ED46-BF96-CF441431CF29}" type="datetime2">
               <a:rPr lang="fr-FR" smtClean="0"/>
               <a:pPr/>
-              <a:t>jeudi 19 septembre 2019</a:t>
+              <a:t>lundi 30 septembre 2019</a:t>
             </a:fld>
             <a:endParaRPr lang="fr-FR" dirty="0"/>
           </a:p>
@@ -26961,7 +27002,7 @@
             <a:fld id="{CD4734D4-9601-ED46-BF96-CF441431CF29}" type="datetime2">
               <a:rPr lang="fr-FR" smtClean="0"/>
               <a:pPr/>
-              <a:t>jeudi 19 septembre 2019</a:t>
+              <a:t>lundi 30 septembre 2019</a:t>
             </a:fld>
             <a:endParaRPr lang="fr-FR" dirty="0"/>
           </a:p>
@@ -27390,7 +27431,7 @@
             <a:fld id="{CD4734D4-9601-ED46-BF96-CF441431CF29}" type="datetime2">
               <a:rPr lang="fr-FR" smtClean="0"/>
               <a:pPr/>
-              <a:t>jeudi 19 septembre 2019</a:t>
+              <a:t>lundi 30 septembre 2019</a:t>
             </a:fld>
             <a:endParaRPr lang="fr-FR" dirty="0"/>
           </a:p>
@@ -27828,7 +27869,7 @@
             <a:fld id="{CD4734D4-9601-ED46-BF96-CF441431CF29}" type="datetime2">
               <a:rPr lang="fr-FR" smtClean="0"/>
               <a:pPr/>
-              <a:t>jeudi 19 septembre 2019</a:t>
+              <a:t>lundi 30 septembre 2019</a:t>
             </a:fld>
             <a:endParaRPr lang="fr-FR" dirty="0"/>
           </a:p>
@@ -28542,7 +28583,7 @@
             </a:r>
             <a:r>
               <a:rPr lang="fr-FR" b="1" dirty="0"/>
-              <a:t> » (Ingé, PhD) chez HEVA</a:t>
+              <a:t> » (Ingénieur, PhD) chez HEVA</a:t>
             </a:r>
           </a:p>
           <a:p>
@@ -28552,7 +28593,7 @@
             </a:r>
             <a:r>
               <a:rPr lang="fr-FR" sz="1600" b="1" dirty="0"/>
-              <a:t> SNDS #3</a:t>
+              <a:t> SNDS #3 (19 sept. 2019)</a:t>
             </a:r>
             <a:endParaRPr lang="fr-FR" b="1" dirty="0"/>
           </a:p>
@@ -28674,7 +28715,7 @@
             <a:fld id="{71873C6F-1961-2F4A-8726-A1F0B42D127E}" type="datetime2">
               <a:rPr lang="fr-FR" smtClean="0"/>
               <a:pPr/>
-              <a:t>jeudi 19 septembre 2019</a:t>
+              <a:t>lundi 30 septembre 2019</a:t>
             </a:fld>
             <a:endParaRPr lang="fr-FR" dirty="0"/>
           </a:p>
@@ -28710,114 +28751,6 @@
           </a:p>
         </p:txBody>
       </p:sp>
-      <p:pic>
-        <p:nvPicPr>
-          <p:cNvPr id="14" name="Image 13">
-            <a:extLst>
-              <a:ext uri="{FF2B5EF4-FFF2-40B4-BE49-F238E27FC236}">
-                <a16:creationId xmlns:a16="http://schemas.microsoft.com/office/drawing/2014/main" id="{F0A04DA0-FFCC-4ED3-9834-977CE128E2DA}"/>
-              </a:ext>
-            </a:extLst>
-          </p:cNvPr>
-          <p:cNvPicPr>
-            <a:picLocks noChangeAspect="1"/>
-          </p:cNvPicPr>
-          <p:nvPr/>
-        </p:nvPicPr>
-        <p:blipFill>
-          <a:blip r:embed="rId3">
-            <a:extLst>
-              <a:ext uri="{28A0092B-C50C-407E-A947-70E740481C1C}">
-                <a14:useLocalDpi xmlns:a14="http://schemas.microsoft.com/office/drawing/2010/main" val="0"/>
-              </a:ext>
-            </a:extLst>
-          </a:blip>
-          <a:stretch>
-            <a:fillRect/>
-          </a:stretch>
-        </p:blipFill>
-        <p:spPr>
-          <a:xfrm>
-            <a:off x="4444300" y="683698"/>
-            <a:ext cx="3752850" cy="1929711"/>
-          </a:xfrm>
-          <a:prstGeom prst="rect">
-            <a:avLst/>
-          </a:prstGeom>
-        </p:spPr>
-      </p:pic>
-      <p:pic>
-        <p:nvPicPr>
-          <p:cNvPr id="16" name="Image 15">
-            <a:extLst>
-              <a:ext uri="{FF2B5EF4-FFF2-40B4-BE49-F238E27FC236}">
-                <a16:creationId xmlns:a16="http://schemas.microsoft.com/office/drawing/2014/main" id="{8A08DDFA-8C42-4585-9748-D8A61B94B6EF}"/>
-              </a:ext>
-            </a:extLst>
-          </p:cNvPr>
-          <p:cNvPicPr>
-            <a:picLocks noChangeAspect="1"/>
-          </p:cNvPicPr>
-          <p:nvPr/>
-        </p:nvPicPr>
-        <p:blipFill>
-          <a:blip r:embed="rId4">
-            <a:extLst>
-              <a:ext uri="{28A0092B-C50C-407E-A947-70E740481C1C}">
-                <a14:useLocalDpi xmlns:a14="http://schemas.microsoft.com/office/drawing/2010/main" val="0"/>
-              </a:ext>
-            </a:extLst>
-          </a:blip>
-          <a:stretch>
-            <a:fillRect/>
-          </a:stretch>
-        </p:blipFill>
-        <p:spPr>
-          <a:xfrm>
-            <a:off x="4444300" y="2613409"/>
-            <a:ext cx="3752850" cy="1929713"/>
-          </a:xfrm>
-          <a:prstGeom prst="rect">
-            <a:avLst/>
-          </a:prstGeom>
-        </p:spPr>
-      </p:pic>
-      <p:pic>
-        <p:nvPicPr>
-          <p:cNvPr id="18" name="Image 17">
-            <a:extLst>
-              <a:ext uri="{FF2B5EF4-FFF2-40B4-BE49-F238E27FC236}">
-                <a16:creationId xmlns:a16="http://schemas.microsoft.com/office/drawing/2014/main" id="{7DC6148C-8C41-4A1A-9BF3-20C0118CFBF8}"/>
-              </a:ext>
-            </a:extLst>
-          </p:cNvPr>
-          <p:cNvPicPr>
-            <a:picLocks noChangeAspect="1"/>
-          </p:cNvPicPr>
-          <p:nvPr/>
-        </p:nvPicPr>
-        <p:blipFill>
-          <a:blip r:embed="rId5">
-            <a:extLst>
-              <a:ext uri="{28A0092B-C50C-407E-A947-70E740481C1C}">
-                <a14:useLocalDpi xmlns:a14="http://schemas.microsoft.com/office/drawing/2010/main" val="0"/>
-              </a:ext>
-            </a:extLst>
-          </a:blip>
-          <a:stretch>
-            <a:fillRect/>
-          </a:stretch>
-        </p:blipFill>
-        <p:spPr>
-          <a:xfrm>
-            <a:off x="4444300" y="4543120"/>
-            <a:ext cx="3752850" cy="1929713"/>
-          </a:xfrm>
-          <a:prstGeom prst="rect">
-            <a:avLst/>
-          </a:prstGeom>
-        </p:spPr>
-      </p:pic>
       <p:graphicFrame>
         <p:nvGraphicFramePr>
           <p:cNvPr id="20" name="Espace réservé du contenu 4">
@@ -28845,7 +28778,7 @@
         </p:xfrm>
         <a:graphic>
           <a:graphicData uri="http://schemas.openxmlformats.org/drawingml/2006/diagram">
-            <dgm:relIds xmlns:dgm="http://schemas.openxmlformats.org/drawingml/2006/diagram" xmlns:r="http://schemas.openxmlformats.org/officeDocument/2006/relationships" r:dm="rId6" r:lo="rId7" r:qs="rId8" r:cs="rId9"/>
+            <dgm:relIds xmlns:dgm="http://schemas.openxmlformats.org/drawingml/2006/diagram" xmlns:r="http://schemas.openxmlformats.org/officeDocument/2006/relationships" r:dm="rId3" r:lo="rId4" r:qs="rId5" r:cs="rId6"/>
           </a:graphicData>
         </a:graphic>
       </p:graphicFrame>
@@ -28875,7 +28808,7 @@
         </p:xfrm>
         <a:graphic>
           <a:graphicData uri="http://schemas.openxmlformats.org/drawingml/2006/diagram">
-            <dgm:relIds xmlns:dgm="http://schemas.openxmlformats.org/drawingml/2006/diagram" xmlns:r="http://schemas.openxmlformats.org/officeDocument/2006/relationships" r:dm="rId11" r:lo="rId12" r:qs="rId13" r:cs="rId14"/>
+            <dgm:relIds xmlns:dgm="http://schemas.openxmlformats.org/drawingml/2006/diagram" xmlns:r="http://schemas.openxmlformats.org/officeDocument/2006/relationships" r:dm="rId8" r:lo="rId9" r:qs="rId10" r:cs="rId11"/>
           </a:graphicData>
         </a:graphic>
       </p:graphicFrame>
@@ -28905,7 +28838,7 @@
         </p:xfrm>
         <a:graphic>
           <a:graphicData uri="http://schemas.openxmlformats.org/drawingml/2006/diagram">
-            <dgm:relIds xmlns:dgm="http://schemas.openxmlformats.org/drawingml/2006/diagram" xmlns:r="http://schemas.openxmlformats.org/officeDocument/2006/relationships" r:dm="rId16" r:lo="rId17" r:qs="rId18" r:cs="rId19"/>
+            <dgm:relIds xmlns:dgm="http://schemas.openxmlformats.org/drawingml/2006/diagram" xmlns:r="http://schemas.openxmlformats.org/officeDocument/2006/relationships" r:dm="rId13" r:lo="rId14" r:qs="rId15" r:cs="rId16"/>
           </a:graphicData>
         </a:graphic>
       </p:graphicFrame>
@@ -29330,7 +29263,7 @@
           <p:nvPr/>
         </p:nvPicPr>
         <p:blipFill>
-          <a:blip r:embed="rId21">
+          <a:blip r:embed="rId18">
             <a:extLst>
               <a:ext uri="{28A0092B-C50C-407E-A947-70E740481C1C}">
                 <a14:useLocalDpi xmlns:a14="http://schemas.microsoft.com/office/drawing/2010/main" val="0"/>
@@ -29377,7 +29310,7 @@
           <p:nvPr/>
         </p:nvPicPr>
         <p:blipFill>
-          <a:blip r:embed="rId22">
+          <a:blip r:embed="rId19">
             <a:extLst>
               <a:ext uri="{28A0092B-C50C-407E-A947-70E740481C1C}">
                 <a14:useLocalDpi xmlns:a14="http://schemas.microsoft.com/office/drawing/2010/main" val="0"/>
@@ -29424,7 +29357,7 @@
           <p:nvPr/>
         </p:nvPicPr>
         <p:blipFill rotWithShape="1">
-          <a:blip r:embed="rId23">
+          <a:blip r:embed="rId20">
             <a:extLst>
               <a:ext uri="{28A0092B-C50C-407E-A947-70E740481C1C}">
                 <a14:useLocalDpi xmlns:a14="http://schemas.microsoft.com/office/drawing/2010/main" val="0"/>
@@ -29444,162 +29377,6 @@
           </a:prstGeom>
         </p:spPr>
       </p:pic>
-      <p:sp>
-        <p:nvSpPr>
-          <p:cNvPr id="2" name="Ellipse 1">
-            <a:extLst>
-              <a:ext uri="{FF2B5EF4-FFF2-40B4-BE49-F238E27FC236}">
-                <a16:creationId xmlns:a16="http://schemas.microsoft.com/office/drawing/2014/main" id="{27B8D1E3-CD11-40C6-8912-C0EB76246078}"/>
-              </a:ext>
-            </a:extLst>
-          </p:cNvPr>
-          <p:cNvSpPr/>
-          <p:nvPr/>
-        </p:nvSpPr>
-        <p:spPr>
-          <a:xfrm>
-            <a:off x="4745255" y="2565563"/>
-            <a:ext cx="943276" cy="630943"/>
-          </a:xfrm>
-          <a:prstGeom prst="ellipse">
-            <a:avLst/>
-          </a:prstGeom>
-          <a:noFill/>
-          <a:ln w="38100">
-            <a:solidFill>
-              <a:schemeClr val="accent4"/>
-            </a:solidFill>
-          </a:ln>
-        </p:spPr>
-        <p:style>
-          <a:lnRef idx="2">
-            <a:schemeClr val="accent1">
-              <a:shade val="50000"/>
-            </a:schemeClr>
-          </a:lnRef>
-          <a:fillRef idx="1">
-            <a:schemeClr val="accent1"/>
-          </a:fillRef>
-          <a:effectRef idx="0">
-            <a:schemeClr val="accent1"/>
-          </a:effectRef>
-          <a:fontRef idx="minor">
-            <a:schemeClr val="lt1"/>
-          </a:fontRef>
-        </p:style>
-        <p:txBody>
-          <a:bodyPr rtlCol="0" anchor="ctr"/>
-          <a:lstStyle/>
-          <a:p>
-            <a:pPr algn="ctr"/>
-            <a:endParaRPr lang="fr-FR"/>
-          </a:p>
-        </p:txBody>
-      </p:sp>
-      <p:sp>
-        <p:nvSpPr>
-          <p:cNvPr id="23" name="Ellipse 22">
-            <a:extLst>
-              <a:ext uri="{FF2B5EF4-FFF2-40B4-BE49-F238E27FC236}">
-                <a16:creationId xmlns:a16="http://schemas.microsoft.com/office/drawing/2014/main" id="{8D3A5D00-493E-4EA5-9C90-1A4415A2B543}"/>
-              </a:ext>
-            </a:extLst>
-          </p:cNvPr>
-          <p:cNvSpPr/>
-          <p:nvPr/>
-        </p:nvSpPr>
-        <p:spPr>
-          <a:xfrm>
-            <a:off x="4753591" y="3449204"/>
-            <a:ext cx="720149" cy="867039"/>
-          </a:xfrm>
-          <a:prstGeom prst="ellipse">
-            <a:avLst/>
-          </a:prstGeom>
-          <a:noFill/>
-          <a:ln w="38100">
-            <a:solidFill>
-              <a:schemeClr val="accent4"/>
-            </a:solidFill>
-          </a:ln>
-        </p:spPr>
-        <p:style>
-          <a:lnRef idx="2">
-            <a:schemeClr val="accent1">
-              <a:shade val="50000"/>
-            </a:schemeClr>
-          </a:lnRef>
-          <a:fillRef idx="1">
-            <a:schemeClr val="accent1"/>
-          </a:fillRef>
-          <a:effectRef idx="0">
-            <a:schemeClr val="accent1"/>
-          </a:effectRef>
-          <a:fontRef idx="minor">
-            <a:schemeClr val="lt1"/>
-          </a:fontRef>
-        </p:style>
-        <p:txBody>
-          <a:bodyPr rtlCol="0" anchor="ctr"/>
-          <a:lstStyle/>
-          <a:p>
-            <a:pPr algn="ctr"/>
-            <a:endParaRPr lang="fr-FR"/>
-          </a:p>
-        </p:txBody>
-      </p:sp>
-      <p:sp>
-        <p:nvSpPr>
-          <p:cNvPr id="25" name="Ellipse 24">
-            <a:extLst>
-              <a:ext uri="{FF2B5EF4-FFF2-40B4-BE49-F238E27FC236}">
-                <a16:creationId xmlns:a16="http://schemas.microsoft.com/office/drawing/2014/main" id="{C3449D98-DD94-473F-856A-2B022F51283E}"/>
-              </a:ext>
-            </a:extLst>
-          </p:cNvPr>
-          <p:cNvSpPr/>
-          <p:nvPr/>
-        </p:nvSpPr>
-        <p:spPr>
-          <a:xfrm>
-            <a:off x="7445112" y="3872592"/>
-            <a:ext cx="829590" cy="369332"/>
-          </a:xfrm>
-          <a:prstGeom prst="ellipse">
-            <a:avLst/>
-          </a:prstGeom>
-          <a:noFill/>
-          <a:ln w="38100">
-            <a:solidFill>
-              <a:schemeClr val="accent4"/>
-            </a:solidFill>
-          </a:ln>
-        </p:spPr>
-        <p:style>
-          <a:lnRef idx="2">
-            <a:schemeClr val="accent1">
-              <a:shade val="50000"/>
-            </a:schemeClr>
-          </a:lnRef>
-          <a:fillRef idx="1">
-            <a:schemeClr val="accent1"/>
-          </a:fillRef>
-          <a:effectRef idx="0">
-            <a:schemeClr val="accent1"/>
-          </a:effectRef>
-          <a:fontRef idx="minor">
-            <a:schemeClr val="lt1"/>
-          </a:fontRef>
-        </p:style>
-        <p:txBody>
-          <a:bodyPr rtlCol="0" anchor="ctr"/>
-          <a:lstStyle/>
-          <a:p>
-            <a:pPr algn="ctr"/>
-            <a:endParaRPr lang="fr-FR"/>
-          </a:p>
-        </p:txBody>
-      </p:sp>
       <p:sp>
         <p:nvSpPr>
           <p:cNvPr id="32" name="ZoneTexte 31">
@@ -29673,6 +29450,36 @@
           </a:p>
         </p:txBody>
       </p:sp>
+      <p:pic>
+        <p:nvPicPr>
+          <p:cNvPr id="3" name="Image 2">
+            <a:extLst>
+              <a:ext uri="{FF2B5EF4-FFF2-40B4-BE49-F238E27FC236}">
+                <a16:creationId xmlns:a16="http://schemas.microsoft.com/office/drawing/2014/main" id="{D5D29C3E-6DBC-43D5-A69B-E744430EA3A4}"/>
+              </a:ext>
+            </a:extLst>
+          </p:cNvPr>
+          <p:cNvPicPr>
+            <a:picLocks noChangeAspect="1"/>
+          </p:cNvPicPr>
+          <p:nvPr/>
+        </p:nvPicPr>
+        <p:blipFill>
+          <a:blip r:embed="rId21"/>
+          <a:stretch>
+            <a:fillRect/>
+          </a:stretch>
+        </p:blipFill>
+        <p:spPr>
+          <a:xfrm>
+            <a:off x="4330034" y="683698"/>
+            <a:ext cx="3846909" cy="5791702"/>
+          </a:xfrm>
+          <a:prstGeom prst="rect">
+            <a:avLst/>
+          </a:prstGeom>
+        </p:spPr>
+      </p:pic>
     </p:spTree>
     <p:extLst>
       <p:ext uri="{BB962C8B-B14F-4D97-AF65-F5344CB8AC3E}">
@@ -29731,7 +29538,7 @@
                                 </p:cTn>
                               </p:par>
                               <p:par>
-                                <p:cTn id="7" presetID="1" presetClass="entr" presetSubtype="0" fill="hold" nodeType="withEffect">
+                                <p:cTn id="7" presetID="1" presetClass="entr" presetSubtype="0" fill="hold" grpId="0" nodeType="withEffect">
                                   <p:stCondLst>
                                     <p:cond delay="0"/>
                                   </p:stCondLst>
@@ -29739,33 +29546,6 @@
                                     <p:set>
                                       <p:cBhvr>
                                         <p:cTn id="8" dur="1" fill="hold">
-                                          <p:stCondLst>
-                                            <p:cond delay="0"/>
-                                          </p:stCondLst>
-                                        </p:cTn>
-                                        <p:tgtEl>
-                                          <p:spTgt spid="16"/>
-                                        </p:tgtEl>
-                                        <p:attrNameLst>
-                                          <p:attrName>style.visibility</p:attrName>
-                                        </p:attrNameLst>
-                                      </p:cBhvr>
-                                      <p:to>
-                                        <p:strVal val="visible"/>
-                                      </p:to>
-                                    </p:set>
-                                  </p:childTnLst>
-                                </p:cTn>
-                              </p:par>
-                              <p:par>
-                                <p:cTn id="9" presetID="1" presetClass="entr" presetSubtype="0" fill="hold" grpId="0" nodeType="withEffect">
-                                  <p:stCondLst>
-                                    <p:cond delay="0"/>
-                                  </p:stCondLst>
-                                  <p:childTnLst>
-                                    <p:set>
-                                      <p:cBhvr>
-                                        <p:cTn id="10" dur="1" fill="hold">
                                           <p:stCondLst>
                                             <p:cond delay="0"/>
                                           </p:stCondLst>
@@ -29785,14 +29565,14 @@
                                 </p:cTn>
                               </p:par>
                               <p:par>
-                                <p:cTn id="11" presetID="1" presetClass="entr" presetSubtype="0" fill="hold" nodeType="withEffect">
+                                <p:cTn id="9" presetID="1" presetClass="entr" presetSubtype="0" fill="hold" nodeType="withEffect">
                                   <p:stCondLst>
                                     <p:cond delay="0"/>
                                   </p:stCondLst>
                                   <p:childTnLst>
                                     <p:set>
                                       <p:cBhvr>
-                                        <p:cTn id="12" dur="1" fill="hold">
+                                        <p:cTn id="10" dur="1" fill="hold">
                                           <p:stCondLst>
                                             <p:cond delay="0"/>
                                           </p:stCondLst>
@@ -29818,26 +29598,26 @@
                     </p:cTn>
                   </p:par>
                   <p:par>
-                    <p:cTn id="13" fill="hold">
+                    <p:cTn id="11" fill="hold">
                       <p:stCondLst>
                         <p:cond delay="indefinite"/>
                       </p:stCondLst>
                       <p:childTnLst>
                         <p:par>
-                          <p:cTn id="14" fill="hold">
+                          <p:cTn id="12" fill="hold">
                             <p:stCondLst>
                               <p:cond delay="0"/>
                             </p:stCondLst>
                             <p:childTnLst>
                               <p:par>
-                                <p:cTn id="15" presetID="1" presetClass="entr" presetSubtype="0" fill="hold" grpId="0" nodeType="clickEffect">
+                                <p:cTn id="13" presetID="1" presetClass="entr" presetSubtype="0" fill="hold" grpId="0" nodeType="clickEffect">
                                   <p:stCondLst>
                                     <p:cond delay="0"/>
                                   </p:stCondLst>
                                   <p:childTnLst>
                                     <p:set>
                                       <p:cBhvr>
-                                        <p:cTn id="16" dur="1" fill="hold">
+                                        <p:cTn id="14" dur="1" fill="hold">
                                           <p:stCondLst>
                                             <p:cond delay="0"/>
                                           </p:stCondLst>
@@ -29857,14 +29637,14 @@
                                 </p:cTn>
                               </p:par>
                               <p:par>
-                                <p:cTn id="17" presetID="1" presetClass="entr" presetSubtype="0" fill="hold" grpId="0" nodeType="withEffect">
+                                <p:cTn id="15" presetID="1" presetClass="entr" presetSubtype="0" fill="hold" grpId="0" nodeType="withEffect">
                                   <p:stCondLst>
                                     <p:cond delay="0"/>
                                   </p:stCondLst>
                                   <p:childTnLst>
                                     <p:set>
                                       <p:cBhvr>
-                                        <p:cTn id="18" dur="1" fill="hold">
+                                        <p:cTn id="16" dur="1" fill="hold">
                                           <p:stCondLst>
                                             <p:cond delay="0"/>
                                           </p:stCondLst>
@@ -29883,8 +29663,26 @@
                                   </p:childTnLst>
                                 </p:cTn>
                               </p:par>
+                            </p:childTnLst>
+                          </p:cTn>
+                        </p:par>
+                      </p:childTnLst>
+                    </p:cTn>
+                  </p:par>
+                  <p:par>
+                    <p:cTn id="17" fill="hold">
+                      <p:stCondLst>
+                        <p:cond delay="indefinite"/>
+                      </p:stCondLst>
+                      <p:childTnLst>
+                        <p:par>
+                          <p:cTn id="18" fill="hold">
+                            <p:stCondLst>
+                              <p:cond delay="0"/>
+                            </p:stCondLst>
+                            <p:childTnLst>
                               <p:par>
-                                <p:cTn id="19" presetID="1" presetClass="entr" presetSubtype="0" fill="hold" grpId="0" nodeType="withEffect">
+                                <p:cTn id="19" presetID="1" presetClass="entr" presetSubtype="0" fill="hold" grpId="0" nodeType="clickEffect">
                                   <p:stCondLst>
                                     <p:cond delay="0"/>
                                   </p:stCondLst>
@@ -29897,7 +29695,7 @@
                                           </p:stCondLst>
                                         </p:cTn>
                                         <p:tgtEl>
-                                          <p:spTgt spid="2"/>
+                                          <p:spTgt spid="20"/>
                                         </p:tgtEl>
                                         <p:attrNameLst>
                                           <p:attrName>style.visibility</p:attrName>
@@ -29924,7 +29722,7 @@
                                           </p:stCondLst>
                                         </p:cTn>
                                         <p:tgtEl>
-                                          <p:spTgt spid="23"/>
+                                          <p:spTgt spid="28"/>
                                         </p:tgtEl>
                                         <p:attrNameLst>
                                           <p:attrName>style.visibility</p:attrName>
@@ -29938,7 +29736,7 @@
                                 </p:cTn>
                               </p:par>
                               <p:par>
-                                <p:cTn id="23" presetID="1" presetClass="entr" presetSubtype="0" fill="hold" grpId="0" nodeType="withEffect">
+                                <p:cTn id="23" presetID="1" presetClass="entr" presetSubtype="0" fill="hold" nodeType="withEffect">
                                   <p:stCondLst>
                                     <p:cond delay="0"/>
                                   </p:stCondLst>
@@ -29951,7 +29749,7 @@
                                           </p:stCondLst>
                                         </p:cTn>
                                         <p:tgtEl>
-                                          <p:spTgt spid="25"/>
+                                          <p:spTgt spid="30"/>
                                         </p:tgtEl>
                                         <p:attrNameLst>
                                           <p:attrName>style.visibility</p:attrName>
@@ -29964,26 +29762,35 @@
                                   </p:childTnLst>
                                 </p:cTn>
                               </p:par>
-                            </p:childTnLst>
-                          </p:cTn>
-                        </p:par>
-                      </p:childTnLst>
-                    </p:cTn>
-                  </p:par>
-                  <p:par>
-                    <p:cTn id="25" fill="hold">
-                      <p:stCondLst>
-                        <p:cond delay="indefinite"/>
-                      </p:stCondLst>
-                      <p:childTnLst>
-                        <p:par>
-                          <p:cTn id="26" fill="hold">
-                            <p:stCondLst>
-                              <p:cond delay="0"/>
-                            </p:stCondLst>
-                            <p:childTnLst>
                               <p:par>
-                                <p:cTn id="27" presetID="1" presetClass="entr" presetSubtype="0" fill="hold" grpId="0" nodeType="clickEffect">
+                                <p:cTn id="25" presetID="1" presetClass="entr" presetSubtype="0" fill="hold" grpId="0" nodeType="withEffect">
+                                  <p:stCondLst>
+                                    <p:cond delay="0"/>
+                                  </p:stCondLst>
+                                  <p:childTnLst>
+                                    <p:set>
+                                      <p:cBhvr>
+                                        <p:cTn id="26" dur="1" fill="hold">
+                                          <p:stCondLst>
+                                            <p:cond delay="0"/>
+                                          </p:stCondLst>
+                                        </p:cTn>
+                                        <p:tgtEl>
+                                          <p:spTgt spid="24"/>
+                                        </p:tgtEl>
+                                        <p:attrNameLst>
+                                          <p:attrName>style.visibility</p:attrName>
+                                        </p:attrNameLst>
+                                      </p:cBhvr>
+                                      <p:to>
+                                        <p:strVal val="visible"/>
+                                      </p:to>
+                                    </p:set>
+                                  </p:childTnLst>
+                                </p:cTn>
+                              </p:par>
+                              <p:par>
+                                <p:cTn id="27" presetID="1" presetClass="entr" presetSubtype="0" fill="hold" nodeType="withEffect">
                                   <p:stCondLst>
                                     <p:cond delay="0"/>
                                   </p:stCondLst>
@@ -29996,7 +29803,7 @@
                                           </p:stCondLst>
                                         </p:cTn>
                                         <p:tgtEl>
-                                          <p:spTgt spid="20"/>
+                                          <p:spTgt spid="29"/>
                                         </p:tgtEl>
                                         <p:attrNameLst>
                                           <p:attrName>style.visibility</p:attrName>
@@ -30018,141 +29825,6 @@
                                     <p:set>
                                       <p:cBhvr>
                                         <p:cTn id="30" dur="1" fill="hold">
-                                          <p:stCondLst>
-                                            <p:cond delay="0"/>
-                                          </p:stCondLst>
-                                        </p:cTn>
-                                        <p:tgtEl>
-                                          <p:spTgt spid="28"/>
-                                        </p:tgtEl>
-                                        <p:attrNameLst>
-                                          <p:attrName>style.visibility</p:attrName>
-                                        </p:attrNameLst>
-                                      </p:cBhvr>
-                                      <p:to>
-                                        <p:strVal val="visible"/>
-                                      </p:to>
-                                    </p:set>
-                                  </p:childTnLst>
-                                </p:cTn>
-                              </p:par>
-                              <p:par>
-                                <p:cTn id="31" presetID="1" presetClass="entr" presetSubtype="0" fill="hold" nodeType="withEffect">
-                                  <p:stCondLst>
-                                    <p:cond delay="0"/>
-                                  </p:stCondLst>
-                                  <p:childTnLst>
-                                    <p:set>
-                                      <p:cBhvr>
-                                        <p:cTn id="32" dur="1" fill="hold">
-                                          <p:stCondLst>
-                                            <p:cond delay="0"/>
-                                          </p:stCondLst>
-                                        </p:cTn>
-                                        <p:tgtEl>
-                                          <p:spTgt spid="18"/>
-                                        </p:tgtEl>
-                                        <p:attrNameLst>
-                                          <p:attrName>style.visibility</p:attrName>
-                                        </p:attrNameLst>
-                                      </p:cBhvr>
-                                      <p:to>
-                                        <p:strVal val="visible"/>
-                                      </p:to>
-                                    </p:set>
-                                  </p:childTnLst>
-                                </p:cTn>
-                              </p:par>
-                              <p:par>
-                                <p:cTn id="33" presetID="1" presetClass="entr" presetSubtype="0" fill="hold" nodeType="withEffect">
-                                  <p:stCondLst>
-                                    <p:cond delay="0"/>
-                                  </p:stCondLst>
-                                  <p:childTnLst>
-                                    <p:set>
-                                      <p:cBhvr>
-                                        <p:cTn id="34" dur="1" fill="hold">
-                                          <p:stCondLst>
-                                            <p:cond delay="0"/>
-                                          </p:stCondLst>
-                                        </p:cTn>
-                                        <p:tgtEl>
-                                          <p:spTgt spid="30"/>
-                                        </p:tgtEl>
-                                        <p:attrNameLst>
-                                          <p:attrName>style.visibility</p:attrName>
-                                        </p:attrNameLst>
-                                      </p:cBhvr>
-                                      <p:to>
-                                        <p:strVal val="visible"/>
-                                      </p:to>
-                                    </p:set>
-                                  </p:childTnLst>
-                                </p:cTn>
-                              </p:par>
-                              <p:par>
-                                <p:cTn id="35" presetID="1" presetClass="entr" presetSubtype="0" fill="hold" grpId="0" nodeType="withEffect">
-                                  <p:stCondLst>
-                                    <p:cond delay="0"/>
-                                  </p:stCondLst>
-                                  <p:childTnLst>
-                                    <p:set>
-                                      <p:cBhvr>
-                                        <p:cTn id="36" dur="1" fill="hold">
-                                          <p:stCondLst>
-                                            <p:cond delay="0"/>
-                                          </p:stCondLst>
-                                        </p:cTn>
-                                        <p:tgtEl>
-                                          <p:spTgt spid="24"/>
-                                        </p:tgtEl>
-                                        <p:attrNameLst>
-                                          <p:attrName>style.visibility</p:attrName>
-                                        </p:attrNameLst>
-                                      </p:cBhvr>
-                                      <p:to>
-                                        <p:strVal val="visible"/>
-                                      </p:to>
-                                    </p:set>
-                                  </p:childTnLst>
-                                </p:cTn>
-                              </p:par>
-                              <p:par>
-                                <p:cTn id="37" presetID="1" presetClass="entr" presetSubtype="0" fill="hold" nodeType="withEffect">
-                                  <p:stCondLst>
-                                    <p:cond delay="0"/>
-                                  </p:stCondLst>
-                                  <p:childTnLst>
-                                    <p:set>
-                                      <p:cBhvr>
-                                        <p:cTn id="38" dur="1" fill="hold">
-                                          <p:stCondLst>
-                                            <p:cond delay="0"/>
-                                          </p:stCondLst>
-                                        </p:cTn>
-                                        <p:tgtEl>
-                                          <p:spTgt spid="29"/>
-                                        </p:tgtEl>
-                                        <p:attrNameLst>
-                                          <p:attrName>style.visibility</p:attrName>
-                                        </p:attrNameLst>
-                                      </p:cBhvr>
-                                      <p:to>
-                                        <p:strVal val="visible"/>
-                                      </p:to>
-                                    </p:set>
-                                  </p:childTnLst>
-                                </p:cTn>
-                              </p:par>
-                              <p:par>
-                                <p:cTn id="39" presetID="1" presetClass="entr" presetSubtype="0" fill="hold" grpId="0" nodeType="withEffect">
-                                  <p:stCondLst>
-                                    <p:cond delay="0"/>
-                                  </p:stCondLst>
-                                  <p:childTnLst>
-                                    <p:set>
-                                      <p:cBhvr>
-                                        <p:cTn id="40" dur="1" fill="hold">
                                           <p:stCondLst>
                                             <p:cond delay="0"/>
                                           </p:stCondLst>
@@ -30211,9 +29883,6 @@
       <p:bldP spid="26" grpId="0" animBg="1"/>
       <p:bldP spid="27" grpId="0"/>
       <p:bldP spid="28" grpId="0"/>
-      <p:bldP spid="2" grpId="0" animBg="1"/>
-      <p:bldP spid="23" grpId="0" animBg="1"/>
-      <p:bldP spid="25" grpId="0" animBg="1"/>
     </p:bldLst>
   </p:timing>
 </p:sld>
@@ -30288,7 +29957,7 @@
             <a:fld id="{CD4734D4-9601-ED46-BF96-CF441431CF29}" type="datetime2">
               <a:rPr lang="fr-FR" smtClean="0"/>
               <a:pPr/>
-              <a:t>jeudi 19 septembre 2019</a:t>
+              <a:t>lundi 30 septembre 2019</a:t>
             </a:fld>
             <a:endParaRPr lang="fr-FR" dirty="0"/>
           </a:p>
@@ -30321,31 +29990,6 @@
               <a:t>11</a:t>
             </a:fld>
             <a:endParaRPr lang="fr-FR" dirty="0"/>
-          </a:p>
-        </p:txBody>
-      </p:sp>
-      <p:sp>
-        <p:nvSpPr>
-          <p:cNvPr id="5" name="Espace réservé du texte 4">
-            <a:extLst>
-              <a:ext uri="{FF2B5EF4-FFF2-40B4-BE49-F238E27FC236}">
-                <a16:creationId xmlns:a16="http://schemas.microsoft.com/office/drawing/2014/main" id="{01ED57D8-3C45-40FE-9049-F368F6B96899}"/>
-              </a:ext>
-            </a:extLst>
-          </p:cNvPr>
-          <p:cNvSpPr>
-            <a:spLocks noGrp="1"/>
-          </p:cNvSpPr>
-          <p:nvPr>
-            <p:ph type="body" sz="quarter" idx="12"/>
-          </p:nvPr>
-        </p:nvSpPr>
-        <p:spPr/>
-        <p:txBody>
-          <a:bodyPr/>
-          <a:lstStyle/>
-          <a:p>
-            <a:endParaRPr lang="en-US"/>
           </a:p>
         </p:txBody>
       </p:sp>
@@ -30594,7 +30238,7 @@
         <p:spPr>
           <a:xfrm>
             <a:off x="973123" y="3145872"/>
-            <a:ext cx="10270949" cy="1483278"/>
+            <a:ext cx="10270949" cy="2121072"/>
           </a:xfrm>
         </p:spPr>
         <p:txBody>
@@ -30628,7 +30272,19 @@
               </a:rPr>
               <a:t>Des questions ?</a:t>
             </a:r>
-            <a:endParaRPr lang="fr-FR" sz="2000" b="0" dirty="0">
+            <a:br>
+              <a:rPr lang="fr-FR" sz="3200" dirty="0">
+                <a:sym typeface="Impact" charset="0"/>
+              </a:rPr>
+            </a:br>
+            <a:r>
+              <a:rPr lang="fr-FR" sz="1400" dirty="0">
+                <a:sym typeface="Impact" charset="0"/>
+                <a:hlinkClick r:id="rId3"/>
+              </a:rPr>
+              <a:t>https://hevaweb.com</a:t>
+            </a:r>
+            <a:endParaRPr lang="fr-FR" sz="1800" b="0" dirty="0">
               <a:solidFill>
                 <a:schemeClr val="accent1"/>
               </a:solidFill>
@@ -32499,14 +32155,14 @@
               <a:t>Data </a:t>
             </a:r>
             <a:r>
-              <a:rPr lang="fr-FR" dirty="0" err="1">
+              <a:rPr lang="en-US" dirty="0" err="1">
                 <a:solidFill>
                   <a:srgbClr val="4F5A76"/>
                 </a:solidFill>
               </a:rPr>
               <a:t>ScIENCE</a:t>
             </a:r>
-            <a:endParaRPr lang="fr-FR" dirty="0">
+            <a:endParaRPr lang="en-US" dirty="0">
               <a:solidFill>
                 <a:srgbClr val="4F5A76"/>
               </a:solidFill>
@@ -32806,18 +32462,13 @@
               <a:t>Le maxi buzz </a:t>
             </a:r>
             <a:r>
-              <a:rPr lang="fr-FR" sz="1600" i="1" dirty="0" err="1">
+              <a:rPr lang="en-US" sz="1600" i="1" dirty="0">
                 <a:solidFill>
                   <a:schemeClr val="accent1"/>
                 </a:solidFill>
               </a:rPr>
               <a:t>word</a:t>
             </a:r>
-            <a:endParaRPr lang="fr-FR" sz="1600" i="1" dirty="0">
-              <a:solidFill>
-                <a:schemeClr val="accent1"/>
-              </a:solidFill>
-            </a:endParaRPr>
           </a:p>
         </p:txBody>
       </p:sp>
@@ -33275,7 +32926,7 @@
             <a:fld id="{CD4734D4-9601-ED46-BF96-CF441431CF29}" type="datetime2">
               <a:rPr lang="fr-FR" smtClean="0"/>
               <a:pPr/>
-              <a:t>jeudi 19 septembre 2019</a:t>
+              <a:t>lundi 30 septembre 2019</a:t>
             </a:fld>
             <a:endParaRPr lang="fr-FR" dirty="0"/>
           </a:p>
@@ -33451,7 +33102,7 @@
             <a:fld id="{E1FCAF01-7970-F949-8562-D71790CE92C7}" type="datetime2">
               <a:rPr lang="fr-FR" smtClean="0"/>
               <a:pPr/>
-              <a:t>jeudi 19 septembre 2019</a:t>
+              <a:t>lundi 30 septembre 2019</a:t>
             </a:fld>
             <a:endParaRPr lang="fr-FR"/>
           </a:p>
@@ -33653,13 +33304,13 @@
           <p:nvPr/>
         </p:nvPicPr>
         <p:blipFill>
-          <a:blip r:embed="rId2">
+          <a:blip r:embed="rId3">
             <a:extLst>
               <a:ext uri="{28A0092B-C50C-407E-A947-70E740481C1C}">
                 <a14:useLocalDpi xmlns:a14="http://schemas.microsoft.com/office/drawing/2010/main" val="0"/>
               </a:ext>
               <a:ext uri="{96DAC541-7B7A-43D3-8B79-37D633B846F1}">
-                <asvg:svgBlip xmlns:asvg="http://schemas.microsoft.com/office/drawing/2016/SVG/main" r:embed="rId3"/>
+                <asvg:svgBlip xmlns:asvg="http://schemas.microsoft.com/office/drawing/2016/SVG/main" r:embed="rId4"/>
               </a:ext>
             </a:extLst>
           </a:blip>
@@ -33840,11 +33491,11 @@
           <p:nvPr/>
         </p:nvPicPr>
         <p:blipFill>
-          <a:blip r:embed="rId4">
+          <a:blip r:embed="rId5">
             <a:extLst>
               <a:ext uri="{BEBA8EAE-BF5A-486C-A8C5-ECC9F3942E4B}">
                 <a14:imgProps xmlns:a14="http://schemas.microsoft.com/office/drawing/2010/main">
-                  <a14:imgLayer r:embed="rId5">
+                  <a14:imgLayer r:embed="rId6">
                     <a14:imgEffect>
                       <a14:backgroundRemoval t="5317" b="93252" l="9515" r="89739">
                         <a14:foregroundMark x1="36194" y1="8998" x2="45522" y2="5317"/>
@@ -37225,7 +36876,7 @@
             <a:fld id="{E1FCAF01-7970-F949-8562-D71790CE92C7}" type="datetime2">
               <a:rPr lang="fr-FR" smtClean="0"/>
               <a:pPr/>
-              <a:t>jeudi 19 septembre 2019</a:t>
+              <a:t>lundi 30 septembre 2019</a:t>
             </a:fld>
             <a:endParaRPr lang="fr-FR" dirty="0"/>
           </a:p>
@@ -37924,7 +37575,7 @@
             <a:fld id="{E1FCAF01-7970-F949-8562-D71790CE92C7}" type="datetime2">
               <a:rPr lang="fr-FR" smtClean="0"/>
               <a:pPr/>
-              <a:t>jeudi 19 septembre 2019</a:t>
+              <a:t>lundi 30 septembre 2019</a:t>
             </a:fld>
             <a:endParaRPr lang="fr-FR"/>
           </a:p>
@@ -39604,7 +39255,7 @@
             <a:fld id="{E1FCAF01-7970-F949-8562-D71790CE92C7}" type="datetime2">
               <a:rPr lang="fr-FR" smtClean="0"/>
               <a:pPr/>
-              <a:t>jeudi 19 septembre 2019</a:t>
+              <a:t>lundi 30 septembre 2019</a:t>
             </a:fld>
             <a:endParaRPr lang="fr-FR" dirty="0"/>
           </a:p>
@@ -41172,185 +40823,6 @@
           <a:chExt cx="0" cy="0"/>
         </a:xfrm>
       </p:grpSpPr>
-      <p:pic>
-        <p:nvPicPr>
-          <p:cNvPr id="11" name="Image 10" descr="Une image contenant texte&#10;&#10;Description générée automatiquement">
-            <a:extLst>
-              <a:ext uri="{FF2B5EF4-FFF2-40B4-BE49-F238E27FC236}">
-                <a16:creationId xmlns:a16="http://schemas.microsoft.com/office/drawing/2014/main" id="{4A9F63CA-4052-4E30-AC32-3295E68E0EF2}"/>
-              </a:ext>
-            </a:extLst>
-          </p:cNvPr>
-          <p:cNvPicPr>
-            <a:picLocks noChangeAspect="1"/>
-          </p:cNvPicPr>
-          <p:nvPr/>
-        </p:nvPicPr>
-        <p:blipFill>
-          <a:blip r:embed="rId2">
-            <a:extLst>
-              <a:ext uri="{28A0092B-C50C-407E-A947-70E740481C1C}">
-                <a14:useLocalDpi xmlns:a14="http://schemas.microsoft.com/office/drawing/2010/main" val="0"/>
-              </a:ext>
-            </a:extLst>
-          </a:blip>
-          <a:stretch>
-            <a:fillRect/>
-          </a:stretch>
-        </p:blipFill>
-        <p:spPr>
-          <a:xfrm>
-            <a:off x="8229012" y="507076"/>
-            <a:ext cx="3982780" cy="2827649"/>
-          </a:xfrm>
-          <a:prstGeom prst="rect">
-            <a:avLst/>
-          </a:prstGeom>
-        </p:spPr>
-      </p:pic>
-      <p:pic>
-        <p:nvPicPr>
-          <p:cNvPr id="13" name="Image 12">
-            <a:extLst>
-              <a:ext uri="{FF2B5EF4-FFF2-40B4-BE49-F238E27FC236}">
-                <a16:creationId xmlns:a16="http://schemas.microsoft.com/office/drawing/2014/main" id="{C62D36B2-EF71-4352-86DD-0447DABA6244}"/>
-              </a:ext>
-            </a:extLst>
-          </p:cNvPr>
-          <p:cNvPicPr>
-            <a:picLocks noChangeAspect="1"/>
-          </p:cNvPicPr>
-          <p:nvPr/>
-        </p:nvPicPr>
-        <p:blipFill>
-          <a:blip r:embed="rId3">
-            <a:extLst>
-              <a:ext uri="{28A0092B-C50C-407E-A947-70E740481C1C}">
-                <a14:useLocalDpi xmlns:a14="http://schemas.microsoft.com/office/drawing/2010/main" val="0"/>
-              </a:ext>
-            </a:extLst>
-          </a:blip>
-          <a:stretch>
-            <a:fillRect/>
-          </a:stretch>
-        </p:blipFill>
-        <p:spPr>
-          <a:xfrm>
-            <a:off x="8844614" y="3373068"/>
-            <a:ext cx="2527552" cy="3561014"/>
-          </a:xfrm>
-          <a:prstGeom prst="rect">
-            <a:avLst/>
-          </a:prstGeom>
-        </p:spPr>
-      </p:pic>
-      <p:pic>
-        <p:nvPicPr>
-          <p:cNvPr id="5" name="Image 4" descr="Une image contenant texte&#10;&#10;Description générée automatiquement">
-            <a:extLst>
-              <a:ext uri="{FF2B5EF4-FFF2-40B4-BE49-F238E27FC236}">
-                <a16:creationId xmlns:a16="http://schemas.microsoft.com/office/drawing/2014/main" id="{016B97A4-D562-46F7-8F53-96B80D6497BF}"/>
-              </a:ext>
-            </a:extLst>
-          </p:cNvPr>
-          <p:cNvPicPr>
-            <a:picLocks noChangeAspect="1"/>
-          </p:cNvPicPr>
-          <p:nvPr/>
-        </p:nvPicPr>
-        <p:blipFill>
-          <a:blip r:embed="rId4">
-            <a:extLst>
-              <a:ext uri="{28A0092B-C50C-407E-A947-70E740481C1C}">
-                <a14:useLocalDpi xmlns:a14="http://schemas.microsoft.com/office/drawing/2010/main" val="0"/>
-              </a:ext>
-            </a:extLst>
-          </a:blip>
-          <a:stretch>
-            <a:fillRect/>
-          </a:stretch>
-        </p:blipFill>
-        <p:spPr>
-          <a:xfrm>
-            <a:off x="1497687" y="1800587"/>
-            <a:ext cx="3574473" cy="2937856"/>
-          </a:xfrm>
-          <a:prstGeom prst="rect">
-            <a:avLst/>
-          </a:prstGeom>
-        </p:spPr>
-      </p:pic>
-      <p:pic>
-        <p:nvPicPr>
-          <p:cNvPr id="8" name="Image 7">
-            <a:extLst>
-              <a:ext uri="{FF2B5EF4-FFF2-40B4-BE49-F238E27FC236}">
-                <a16:creationId xmlns:a16="http://schemas.microsoft.com/office/drawing/2014/main" id="{D59E7E1E-598D-4276-A998-879D628D4A84}"/>
-              </a:ext>
-            </a:extLst>
-          </p:cNvPr>
-          <p:cNvPicPr>
-            <a:picLocks noChangeAspect="1"/>
-          </p:cNvPicPr>
-          <p:nvPr/>
-        </p:nvPicPr>
-        <p:blipFill>
-          <a:blip r:embed="rId5">
-            <a:extLst>
-              <a:ext uri="{28A0092B-C50C-407E-A947-70E740481C1C}">
-                <a14:useLocalDpi xmlns:a14="http://schemas.microsoft.com/office/drawing/2010/main" val="0"/>
-              </a:ext>
-            </a:extLst>
-          </a:blip>
-          <a:stretch>
-            <a:fillRect/>
-          </a:stretch>
-        </p:blipFill>
-        <p:spPr>
-          <a:xfrm>
-            <a:off x="3151143" y="215160"/>
-            <a:ext cx="5121447" cy="1647512"/>
-          </a:xfrm>
-          <a:prstGeom prst="rect">
-            <a:avLst/>
-          </a:prstGeom>
-        </p:spPr>
-      </p:pic>
-      <p:sp>
-        <p:nvSpPr>
-          <p:cNvPr id="2" name="Espace réservé de la date 1">
-            <a:extLst>
-              <a:ext uri="{FF2B5EF4-FFF2-40B4-BE49-F238E27FC236}">
-                <a16:creationId xmlns:a16="http://schemas.microsoft.com/office/drawing/2014/main" id="{EDB0ED13-F93F-BC47-ABAB-F31DFA5C0525}"/>
-              </a:ext>
-            </a:extLst>
-          </p:cNvPr>
-          <p:cNvSpPr>
-            <a:spLocks noGrp="1"/>
-          </p:cNvSpPr>
-          <p:nvPr>
-            <p:ph type="dt" sz="half" idx="26"/>
-          </p:nvPr>
-        </p:nvSpPr>
-        <p:spPr>
-          <a:xfrm>
-            <a:off x="9159796" y="6567055"/>
-            <a:ext cx="2743200" cy="278727"/>
-          </a:xfrm>
-        </p:spPr>
-        <p:txBody>
-          <a:bodyPr/>
-          <a:lstStyle/>
-          <a:p>
-            <a:fld id="{E1FCAF01-7970-F949-8562-D71790CE92C7}" type="datetime2">
-              <a:rPr lang="fr-FR" smtClean="0"/>
-              <a:pPr/>
-              <a:t>jeudi 19 septembre 2019</a:t>
-            </a:fld>
-            <a:endParaRPr lang="fr-FR" dirty="0"/>
-          </a:p>
-        </p:txBody>
-      </p:sp>
       <p:sp>
         <p:nvSpPr>
           <p:cNvPr id="142" name="Espace réservé du numéro de diapositive 141">
@@ -41539,756 +41011,6 @@
       </p:sp>
       <p:pic>
         <p:nvPicPr>
-          <p:cNvPr id="9" name="Graphique 8">
-            <a:extLst>
-              <a:ext uri="{FF2B5EF4-FFF2-40B4-BE49-F238E27FC236}">
-                <a16:creationId xmlns:a16="http://schemas.microsoft.com/office/drawing/2014/main" id="{12FA1325-C614-4068-9476-F84063E67DE1}"/>
-              </a:ext>
-            </a:extLst>
-          </p:cNvPr>
-          <p:cNvPicPr>
-            <a:picLocks noChangeAspect="1"/>
-          </p:cNvPicPr>
-          <p:nvPr/>
-        </p:nvPicPr>
-        <p:blipFill rotWithShape="1">
-          <a:blip r:embed="rId6">
-            <a:extLst>
-              <a:ext uri="{28A0092B-C50C-407E-A947-70E740481C1C}">
-                <a14:useLocalDpi xmlns:a14="http://schemas.microsoft.com/office/drawing/2010/main" val="0"/>
-              </a:ext>
-              <a:ext uri="{96DAC541-7B7A-43D3-8B79-37D633B846F1}">
-                <asvg:svgBlip xmlns:asvg="http://schemas.microsoft.com/office/drawing/2016/SVG/main" r:embed="rId7"/>
-              </a:ext>
-            </a:extLst>
-          </a:blip>
-          <a:srcRect l="19303" r="20443" b="21696"/>
-          <a:stretch/>
-        </p:blipFill>
-        <p:spPr>
-          <a:xfrm>
-            <a:off x="4659644" y="2158381"/>
-            <a:ext cx="3906195" cy="4061106"/>
-          </a:xfrm>
-          <a:prstGeom prst="rect">
-            <a:avLst/>
-          </a:prstGeom>
-        </p:spPr>
-      </p:pic>
-      <p:cxnSp>
-        <p:nvCxnSpPr>
-          <p:cNvPr id="6" name="Connecteur droit 5">
-            <a:extLst>
-              <a:ext uri="{FF2B5EF4-FFF2-40B4-BE49-F238E27FC236}">
-                <a16:creationId xmlns:a16="http://schemas.microsoft.com/office/drawing/2014/main" id="{E7B22E79-E072-4708-84E5-492B53BB29A3}"/>
-              </a:ext>
-            </a:extLst>
-          </p:cNvPr>
-          <p:cNvCxnSpPr>
-            <a:cxnSpLocks/>
-          </p:cNvCxnSpPr>
-          <p:nvPr/>
-        </p:nvCxnSpPr>
-        <p:spPr>
-          <a:xfrm flipH="1">
-            <a:off x="4733196" y="5034152"/>
-            <a:ext cx="973520" cy="291271"/>
-          </a:xfrm>
-          <a:prstGeom prst="line">
-            <a:avLst/>
-          </a:prstGeom>
-          <a:ln w="38100">
-            <a:solidFill>
-              <a:srgbClr val="00B0F0"/>
-            </a:solidFill>
-          </a:ln>
-        </p:spPr>
-        <p:style>
-          <a:lnRef idx="1">
-            <a:schemeClr val="accent1"/>
-          </a:lnRef>
-          <a:fillRef idx="0">
-            <a:schemeClr val="accent1"/>
-          </a:fillRef>
-          <a:effectRef idx="0">
-            <a:schemeClr val="accent1"/>
-          </a:effectRef>
-          <a:fontRef idx="minor">
-            <a:schemeClr val="tx1"/>
-          </a:fontRef>
-        </p:style>
-      </p:cxnSp>
-      <p:cxnSp>
-        <p:nvCxnSpPr>
-          <p:cNvPr id="26" name="Connecteur droit 25">
-            <a:extLst>
-              <a:ext uri="{FF2B5EF4-FFF2-40B4-BE49-F238E27FC236}">
-                <a16:creationId xmlns:a16="http://schemas.microsoft.com/office/drawing/2014/main" id="{3A78985D-5092-45D3-95AA-EC2E0C45A21D}"/>
-              </a:ext>
-            </a:extLst>
-          </p:cNvPr>
-          <p:cNvCxnSpPr>
-            <a:cxnSpLocks/>
-          </p:cNvCxnSpPr>
-          <p:nvPr/>
-        </p:nvCxnSpPr>
-        <p:spPr>
-          <a:xfrm flipH="1" flipV="1">
-            <a:off x="5782473" y="2804813"/>
-            <a:ext cx="462345" cy="1033464"/>
-          </a:xfrm>
-          <a:prstGeom prst="line">
-            <a:avLst/>
-          </a:prstGeom>
-          <a:ln w="38100">
-            <a:solidFill>
-              <a:srgbClr val="00B0F0"/>
-            </a:solidFill>
-          </a:ln>
-        </p:spPr>
-        <p:style>
-          <a:lnRef idx="1">
-            <a:schemeClr val="accent1"/>
-          </a:lnRef>
-          <a:fillRef idx="0">
-            <a:schemeClr val="accent1"/>
-          </a:fillRef>
-          <a:effectRef idx="0">
-            <a:schemeClr val="accent1"/>
-          </a:effectRef>
-          <a:fontRef idx="minor">
-            <a:schemeClr val="tx1"/>
-          </a:fontRef>
-        </p:style>
-      </p:cxnSp>
-      <p:cxnSp>
-        <p:nvCxnSpPr>
-          <p:cNvPr id="30" name="Connecteur droit 29">
-            <a:extLst>
-              <a:ext uri="{FF2B5EF4-FFF2-40B4-BE49-F238E27FC236}">
-                <a16:creationId xmlns:a16="http://schemas.microsoft.com/office/drawing/2014/main" id="{4B8C6B44-4B01-4DB3-8AC7-C5BBFC6B279E}"/>
-              </a:ext>
-            </a:extLst>
-          </p:cNvPr>
-          <p:cNvCxnSpPr>
-            <a:cxnSpLocks/>
-          </p:cNvCxnSpPr>
-          <p:nvPr/>
-        </p:nvCxnSpPr>
-        <p:spPr>
-          <a:xfrm flipV="1">
-            <a:off x="6644905" y="2071115"/>
-            <a:ext cx="6425" cy="1681475"/>
-          </a:xfrm>
-          <a:prstGeom prst="line">
-            <a:avLst/>
-          </a:prstGeom>
-          <a:ln w="38100">
-            <a:solidFill>
-              <a:srgbClr val="00B0F0"/>
-            </a:solidFill>
-          </a:ln>
-        </p:spPr>
-        <p:style>
-          <a:lnRef idx="1">
-            <a:schemeClr val="accent1"/>
-          </a:lnRef>
-          <a:fillRef idx="0">
-            <a:schemeClr val="accent1"/>
-          </a:fillRef>
-          <a:effectRef idx="0">
-            <a:schemeClr val="accent1"/>
-          </a:effectRef>
-          <a:fontRef idx="minor">
-            <a:schemeClr val="tx1"/>
-          </a:fontRef>
-        </p:style>
-      </p:cxnSp>
-      <p:cxnSp>
-        <p:nvCxnSpPr>
-          <p:cNvPr id="33" name="Connecteur droit 32">
-            <a:extLst>
-              <a:ext uri="{FF2B5EF4-FFF2-40B4-BE49-F238E27FC236}">
-                <a16:creationId xmlns:a16="http://schemas.microsoft.com/office/drawing/2014/main" id="{3ED2EE63-7DDA-4022-8D49-B60BEF29594C}"/>
-              </a:ext>
-            </a:extLst>
-          </p:cNvPr>
-          <p:cNvCxnSpPr>
-            <a:cxnSpLocks/>
-          </p:cNvCxnSpPr>
-          <p:nvPr/>
-        </p:nvCxnSpPr>
-        <p:spPr>
-          <a:xfrm flipV="1">
-            <a:off x="7590631" y="4112998"/>
-            <a:ext cx="935103" cy="327239"/>
-          </a:xfrm>
-          <a:prstGeom prst="line">
-            <a:avLst/>
-          </a:prstGeom>
-          <a:ln w="38100">
-            <a:solidFill>
-              <a:srgbClr val="00B0F0"/>
-            </a:solidFill>
-          </a:ln>
-        </p:spPr>
-        <p:style>
-          <a:lnRef idx="1">
-            <a:schemeClr val="accent1"/>
-          </a:lnRef>
-          <a:fillRef idx="0">
-            <a:schemeClr val="accent1"/>
-          </a:fillRef>
-          <a:effectRef idx="0">
-            <a:schemeClr val="accent1"/>
-          </a:effectRef>
-          <a:fontRef idx="minor">
-            <a:schemeClr val="tx1"/>
-          </a:fontRef>
-        </p:style>
-      </p:cxnSp>
-      <p:sp>
-        <p:nvSpPr>
-          <p:cNvPr id="34" name="Rectangle 33">
-            <a:extLst>
-              <a:ext uri="{FF2B5EF4-FFF2-40B4-BE49-F238E27FC236}">
-                <a16:creationId xmlns:a16="http://schemas.microsoft.com/office/drawing/2014/main" id="{2E81BE10-7EE7-4214-9563-E59EEFCFDC11}"/>
-              </a:ext>
-            </a:extLst>
-          </p:cNvPr>
-          <p:cNvSpPr/>
-          <p:nvPr/>
-        </p:nvSpPr>
-        <p:spPr>
-          <a:xfrm>
-            <a:off x="5657867" y="3168168"/>
-            <a:ext cx="372218" cy="461665"/>
-          </a:xfrm>
-          <a:prstGeom prst="rect">
-            <a:avLst/>
-          </a:prstGeom>
-        </p:spPr>
-        <p:txBody>
-          <a:bodyPr wrap="none">
-            <a:spAutoFit/>
-          </a:bodyPr>
-          <a:lstStyle/>
-          <a:p>
-            <a:r>
-              <a:rPr lang="fr-FR" sz="2400" b="1" dirty="0">
-                <a:solidFill>
-                  <a:srgbClr val="00B0F0"/>
-                </a:solidFill>
-              </a:rPr>
-              <a:t>A</a:t>
-            </a:r>
-            <a:endParaRPr lang="fr-FR" dirty="0"/>
-          </a:p>
-        </p:txBody>
-      </p:sp>
-      <p:sp>
-        <p:nvSpPr>
-          <p:cNvPr id="41" name="Rectangle 40">
-            <a:extLst>
-              <a:ext uri="{FF2B5EF4-FFF2-40B4-BE49-F238E27FC236}">
-                <a16:creationId xmlns:a16="http://schemas.microsoft.com/office/drawing/2014/main" id="{7E9F988A-BD02-4E37-819B-0B506E1870B7}"/>
-              </a:ext>
-            </a:extLst>
-          </p:cNvPr>
-          <p:cNvSpPr/>
-          <p:nvPr/>
-        </p:nvSpPr>
-        <p:spPr>
-          <a:xfrm>
-            <a:off x="6286299" y="2605314"/>
-            <a:ext cx="386644" cy="461665"/>
-          </a:xfrm>
-          <a:prstGeom prst="rect">
-            <a:avLst/>
-          </a:prstGeom>
-        </p:spPr>
-        <p:txBody>
-          <a:bodyPr wrap="none">
-            <a:spAutoFit/>
-          </a:bodyPr>
-          <a:lstStyle/>
-          <a:p>
-            <a:r>
-              <a:rPr lang="fr-FR" sz="2400" b="1" dirty="0">
-                <a:solidFill>
-                  <a:srgbClr val="00B0F0"/>
-                </a:solidFill>
-              </a:rPr>
-              <a:t>D</a:t>
-            </a:r>
-            <a:endParaRPr lang="fr-FR" dirty="0"/>
-          </a:p>
-        </p:txBody>
-      </p:sp>
-      <p:sp>
-        <p:nvSpPr>
-          <p:cNvPr id="42" name="Rectangle 41">
-            <a:extLst>
-              <a:ext uri="{FF2B5EF4-FFF2-40B4-BE49-F238E27FC236}">
-                <a16:creationId xmlns:a16="http://schemas.microsoft.com/office/drawing/2014/main" id="{1FAF0E37-EC54-4A4D-8BF0-56850DD6CFF5}"/>
-              </a:ext>
-            </a:extLst>
-          </p:cNvPr>
-          <p:cNvSpPr/>
-          <p:nvPr/>
-        </p:nvSpPr>
-        <p:spPr>
-          <a:xfrm>
-            <a:off x="6748226" y="1954953"/>
-            <a:ext cx="380232" cy="461665"/>
-          </a:xfrm>
-          <a:prstGeom prst="rect">
-            <a:avLst/>
-          </a:prstGeom>
-        </p:spPr>
-        <p:txBody>
-          <a:bodyPr wrap="none">
-            <a:spAutoFit/>
-          </a:bodyPr>
-          <a:lstStyle/>
-          <a:p>
-            <a:r>
-              <a:rPr lang="fr-FR" sz="2400" b="1" dirty="0">
-                <a:solidFill>
-                  <a:srgbClr val="00B0F0"/>
-                </a:solidFill>
-              </a:rPr>
-              <a:t>C</a:t>
-            </a:r>
-            <a:endParaRPr lang="fr-FR" sz="2400" dirty="0"/>
-          </a:p>
-        </p:txBody>
-      </p:sp>
-      <p:sp>
-        <p:nvSpPr>
-          <p:cNvPr id="45" name="Rectangle 44">
-            <a:extLst>
-              <a:ext uri="{FF2B5EF4-FFF2-40B4-BE49-F238E27FC236}">
-                <a16:creationId xmlns:a16="http://schemas.microsoft.com/office/drawing/2014/main" id="{F878AAD3-ACA9-4EF2-B460-6BDBCB453274}"/>
-              </a:ext>
-            </a:extLst>
-          </p:cNvPr>
-          <p:cNvSpPr/>
-          <p:nvPr/>
-        </p:nvSpPr>
-        <p:spPr>
-          <a:xfrm>
-            <a:off x="7973323" y="4293340"/>
-            <a:ext cx="386644" cy="461665"/>
-          </a:xfrm>
-          <a:prstGeom prst="rect">
-            <a:avLst/>
-          </a:prstGeom>
-        </p:spPr>
-        <p:txBody>
-          <a:bodyPr wrap="none">
-            <a:spAutoFit/>
-          </a:bodyPr>
-          <a:lstStyle/>
-          <a:p>
-            <a:r>
-              <a:rPr lang="fr-FR" sz="2400" b="1" dirty="0">
-                <a:solidFill>
-                  <a:srgbClr val="00B0F0"/>
-                </a:solidFill>
-              </a:rPr>
-              <a:t>B</a:t>
-            </a:r>
-            <a:endParaRPr lang="fr-FR" sz="2400" dirty="0"/>
-          </a:p>
-        </p:txBody>
-      </p:sp>
-      <p:sp>
-        <p:nvSpPr>
-          <p:cNvPr id="46" name="ZoneTexte 45">
-            <a:extLst>
-              <a:ext uri="{FF2B5EF4-FFF2-40B4-BE49-F238E27FC236}">
-                <a16:creationId xmlns:a16="http://schemas.microsoft.com/office/drawing/2014/main" id="{91101037-31BC-4162-BA2B-D168DB7A303E}"/>
-              </a:ext>
-            </a:extLst>
-          </p:cNvPr>
-          <p:cNvSpPr txBox="1"/>
-          <p:nvPr/>
-        </p:nvSpPr>
-        <p:spPr>
-          <a:xfrm>
-            <a:off x="9012521" y="3170809"/>
-            <a:ext cx="1750040" cy="369332"/>
-          </a:xfrm>
-          <a:prstGeom prst="rect">
-            <a:avLst/>
-          </a:prstGeom>
-          <a:noFill/>
-        </p:spPr>
-        <p:txBody>
-          <a:bodyPr wrap="square" rtlCol="0">
-            <a:spAutoFit/>
-          </a:bodyPr>
-          <a:lstStyle/>
-          <a:p>
-            <a:r>
-              <a:rPr lang="fr-FR" sz="1200" b="1" dirty="0">
-                <a:solidFill>
-                  <a:srgbClr val="00B0F0"/>
-                </a:solidFill>
-              </a:rPr>
-              <a:t>B </a:t>
-            </a:r>
-            <a:r>
-              <a:rPr lang="fr-FR" sz="1200" dirty="0"/>
-              <a:t>: 1 683 patients</a:t>
-            </a:r>
-            <a:r>
-              <a:rPr lang="fr-FR" dirty="0"/>
-              <a:t> </a:t>
-            </a:r>
-          </a:p>
-        </p:txBody>
-      </p:sp>
-      <p:sp>
-        <p:nvSpPr>
-          <p:cNvPr id="48" name="ZoneTexte 47">
-            <a:extLst>
-              <a:ext uri="{FF2B5EF4-FFF2-40B4-BE49-F238E27FC236}">
-                <a16:creationId xmlns:a16="http://schemas.microsoft.com/office/drawing/2014/main" id="{7D3492A0-56AD-461F-A93E-8FB8057112B8}"/>
-              </a:ext>
-            </a:extLst>
-          </p:cNvPr>
-          <p:cNvSpPr txBox="1"/>
-          <p:nvPr/>
-        </p:nvSpPr>
-        <p:spPr>
-          <a:xfrm>
-            <a:off x="8635188" y="248271"/>
-            <a:ext cx="1750040" cy="369332"/>
-          </a:xfrm>
-          <a:prstGeom prst="rect">
-            <a:avLst/>
-          </a:prstGeom>
-          <a:noFill/>
-        </p:spPr>
-        <p:txBody>
-          <a:bodyPr wrap="square" rtlCol="0">
-            <a:spAutoFit/>
-          </a:bodyPr>
-          <a:lstStyle/>
-          <a:p>
-            <a:r>
-              <a:rPr lang="fr-FR" sz="1200" b="1" dirty="0">
-                <a:solidFill>
-                  <a:srgbClr val="00B0F0"/>
-                </a:solidFill>
-              </a:rPr>
-              <a:t>C </a:t>
-            </a:r>
-            <a:r>
-              <a:rPr lang="fr-FR" sz="1200" dirty="0"/>
-              <a:t>: 687 patients</a:t>
-            </a:r>
-            <a:r>
-              <a:rPr lang="fr-FR" dirty="0"/>
-              <a:t> </a:t>
-            </a:r>
-          </a:p>
-        </p:txBody>
-      </p:sp>
-      <p:sp>
-        <p:nvSpPr>
-          <p:cNvPr id="47" name="ZoneTexte 46">
-            <a:extLst>
-              <a:ext uri="{FF2B5EF4-FFF2-40B4-BE49-F238E27FC236}">
-                <a16:creationId xmlns:a16="http://schemas.microsoft.com/office/drawing/2014/main" id="{1F459076-6380-4684-A721-8D355854C361}"/>
-              </a:ext>
-            </a:extLst>
-          </p:cNvPr>
-          <p:cNvSpPr txBox="1"/>
-          <p:nvPr/>
-        </p:nvSpPr>
-        <p:spPr>
-          <a:xfrm>
-            <a:off x="3663780" y="201456"/>
-            <a:ext cx="1750040" cy="369332"/>
-          </a:xfrm>
-          <a:prstGeom prst="rect">
-            <a:avLst/>
-          </a:prstGeom>
-          <a:noFill/>
-        </p:spPr>
-        <p:txBody>
-          <a:bodyPr wrap="square" rtlCol="0">
-            <a:spAutoFit/>
-          </a:bodyPr>
-          <a:lstStyle/>
-          <a:p>
-            <a:r>
-              <a:rPr lang="fr-FR" sz="1200" b="1" dirty="0">
-                <a:solidFill>
-                  <a:srgbClr val="00B0F0"/>
-                </a:solidFill>
-              </a:rPr>
-              <a:t>D </a:t>
-            </a:r>
-            <a:r>
-              <a:rPr lang="fr-FR" sz="1200" dirty="0"/>
-              <a:t>: 187 patients</a:t>
-            </a:r>
-            <a:r>
-              <a:rPr lang="fr-FR" dirty="0"/>
-              <a:t> </a:t>
-            </a:r>
-          </a:p>
-        </p:txBody>
-      </p:sp>
-      <p:sp>
-        <p:nvSpPr>
-          <p:cNvPr id="86" name="Flèche : droite 85">
-            <a:extLst>
-              <a:ext uri="{FF2B5EF4-FFF2-40B4-BE49-F238E27FC236}">
-                <a16:creationId xmlns:a16="http://schemas.microsoft.com/office/drawing/2014/main" id="{4F30CBEE-1C5E-4A9D-8628-69A60360444E}"/>
-              </a:ext>
-            </a:extLst>
-          </p:cNvPr>
-          <p:cNvSpPr/>
-          <p:nvPr/>
-        </p:nvSpPr>
-        <p:spPr>
-          <a:xfrm rot="13454663">
-            <a:off x="4986862" y="3350049"/>
-            <a:ext cx="680346" cy="157900"/>
-          </a:xfrm>
-          <a:prstGeom prst="rightArrow">
-            <a:avLst/>
-          </a:prstGeom>
-          <a:solidFill>
-            <a:srgbClr val="00B0F0"/>
-          </a:solidFill>
-        </p:spPr>
-        <p:style>
-          <a:lnRef idx="2">
-            <a:schemeClr val="accent5">
-              <a:shade val="50000"/>
-            </a:schemeClr>
-          </a:lnRef>
-          <a:fillRef idx="1">
-            <a:schemeClr val="accent5"/>
-          </a:fillRef>
-          <a:effectRef idx="0">
-            <a:schemeClr val="accent5"/>
-          </a:effectRef>
-          <a:fontRef idx="minor">
-            <a:schemeClr val="lt1"/>
-          </a:fontRef>
-        </p:style>
-        <p:txBody>
-          <a:bodyPr rtlCol="0" anchor="ctr"/>
-          <a:lstStyle/>
-          <a:p>
-            <a:pPr algn="ctr"/>
-            <a:endParaRPr lang="fr-FR"/>
-          </a:p>
-        </p:txBody>
-      </p:sp>
-      <p:sp>
-        <p:nvSpPr>
-          <p:cNvPr id="88" name="Flèche : droite 87">
-            <a:extLst>
-              <a:ext uri="{FF2B5EF4-FFF2-40B4-BE49-F238E27FC236}">
-                <a16:creationId xmlns:a16="http://schemas.microsoft.com/office/drawing/2014/main" id="{630D49C4-1F9E-4C2B-BB7B-92744E3BA257}"/>
-              </a:ext>
-            </a:extLst>
-          </p:cNvPr>
-          <p:cNvSpPr/>
-          <p:nvPr/>
-        </p:nvSpPr>
-        <p:spPr>
-          <a:xfrm rot="15373309">
-            <a:off x="5632721" y="2187738"/>
-            <a:ext cx="894054" cy="160451"/>
-          </a:xfrm>
-          <a:prstGeom prst="rightArrow">
-            <a:avLst/>
-          </a:prstGeom>
-          <a:solidFill>
-            <a:srgbClr val="00B0F0"/>
-          </a:solidFill>
-        </p:spPr>
-        <p:style>
-          <a:lnRef idx="2">
-            <a:schemeClr val="accent5">
-              <a:shade val="50000"/>
-            </a:schemeClr>
-          </a:lnRef>
-          <a:fillRef idx="1">
-            <a:schemeClr val="accent5"/>
-          </a:fillRef>
-          <a:effectRef idx="0">
-            <a:schemeClr val="accent5"/>
-          </a:effectRef>
-          <a:fontRef idx="minor">
-            <a:schemeClr val="lt1"/>
-          </a:fontRef>
-        </p:style>
-        <p:txBody>
-          <a:bodyPr rtlCol="0" anchor="ctr"/>
-          <a:lstStyle/>
-          <a:p>
-            <a:pPr algn="ctr"/>
-            <a:endParaRPr lang="fr-FR"/>
-          </a:p>
-        </p:txBody>
-      </p:sp>
-      <p:sp>
-        <p:nvSpPr>
-          <p:cNvPr id="89" name="Flèche : droite 88">
-            <a:extLst>
-              <a:ext uri="{FF2B5EF4-FFF2-40B4-BE49-F238E27FC236}">
-                <a16:creationId xmlns:a16="http://schemas.microsoft.com/office/drawing/2014/main" id="{BECDFDB4-F86A-4975-9032-B3C21B489480}"/>
-              </a:ext>
-            </a:extLst>
-          </p:cNvPr>
-          <p:cNvSpPr/>
-          <p:nvPr/>
-        </p:nvSpPr>
-        <p:spPr>
-          <a:xfrm rot="18890340">
-            <a:off x="7904645" y="2437832"/>
-            <a:ext cx="379332" cy="158684"/>
-          </a:xfrm>
-          <a:prstGeom prst="rightArrow">
-            <a:avLst/>
-          </a:prstGeom>
-          <a:solidFill>
-            <a:srgbClr val="00B0F0"/>
-          </a:solidFill>
-        </p:spPr>
-        <p:style>
-          <a:lnRef idx="2">
-            <a:schemeClr val="accent5">
-              <a:shade val="50000"/>
-            </a:schemeClr>
-          </a:lnRef>
-          <a:fillRef idx="1">
-            <a:schemeClr val="accent5"/>
-          </a:fillRef>
-          <a:effectRef idx="0">
-            <a:schemeClr val="accent5"/>
-          </a:effectRef>
-          <a:fontRef idx="minor">
-            <a:schemeClr val="lt1"/>
-          </a:fontRef>
-        </p:style>
-        <p:txBody>
-          <a:bodyPr rtlCol="0" anchor="ctr"/>
-          <a:lstStyle/>
-          <a:p>
-            <a:pPr algn="ctr"/>
-            <a:endParaRPr lang="fr-FR"/>
-          </a:p>
-        </p:txBody>
-      </p:sp>
-      <p:sp>
-        <p:nvSpPr>
-          <p:cNvPr id="90" name="Flèche : droite 89">
-            <a:extLst>
-              <a:ext uri="{FF2B5EF4-FFF2-40B4-BE49-F238E27FC236}">
-                <a16:creationId xmlns:a16="http://schemas.microsoft.com/office/drawing/2014/main" id="{19DBD706-2512-4C81-A762-F088604E734E}"/>
-              </a:ext>
-            </a:extLst>
-          </p:cNvPr>
-          <p:cNvSpPr/>
-          <p:nvPr/>
-        </p:nvSpPr>
-        <p:spPr>
-          <a:xfrm>
-            <a:off x="8085230" y="5219071"/>
-            <a:ext cx="773677" cy="158684"/>
-          </a:xfrm>
-          <a:prstGeom prst="rightArrow">
-            <a:avLst/>
-          </a:prstGeom>
-          <a:solidFill>
-            <a:srgbClr val="00B0F0"/>
-          </a:solidFill>
-        </p:spPr>
-        <p:style>
-          <a:lnRef idx="2">
-            <a:schemeClr val="accent5">
-              <a:shade val="50000"/>
-            </a:schemeClr>
-          </a:lnRef>
-          <a:fillRef idx="1">
-            <a:schemeClr val="accent5"/>
-          </a:fillRef>
-          <a:effectRef idx="0">
-            <a:schemeClr val="accent5"/>
-          </a:effectRef>
-          <a:fontRef idx="minor">
-            <a:schemeClr val="lt1"/>
-          </a:fontRef>
-        </p:style>
-        <p:txBody>
-          <a:bodyPr rtlCol="0" anchor="ctr"/>
-          <a:lstStyle/>
-          <a:p>
-            <a:pPr algn="ctr"/>
-            <a:endParaRPr lang="fr-FR"/>
-          </a:p>
-        </p:txBody>
-      </p:sp>
-      <p:sp>
-        <p:nvSpPr>
-          <p:cNvPr id="32" name="ZoneTexte 31">
-            <a:extLst>
-              <a:ext uri="{FF2B5EF4-FFF2-40B4-BE49-F238E27FC236}">
-                <a16:creationId xmlns:a16="http://schemas.microsoft.com/office/drawing/2014/main" id="{7A17BDE8-6662-4EC2-A91B-2EB951417E2F}"/>
-              </a:ext>
-            </a:extLst>
-          </p:cNvPr>
-          <p:cNvSpPr txBox="1"/>
-          <p:nvPr/>
-        </p:nvSpPr>
-        <p:spPr>
-          <a:xfrm>
-            <a:off x="1913740" y="1558047"/>
-            <a:ext cx="1750040" cy="369332"/>
-          </a:xfrm>
-          <a:prstGeom prst="rect">
-            <a:avLst/>
-          </a:prstGeom>
-          <a:noFill/>
-        </p:spPr>
-        <p:txBody>
-          <a:bodyPr wrap="square" rtlCol="0">
-            <a:spAutoFit/>
-          </a:bodyPr>
-          <a:lstStyle/>
-          <a:p>
-            <a:r>
-              <a:rPr lang="fr-FR" sz="1200" b="1" dirty="0">
-                <a:solidFill>
-                  <a:srgbClr val="00B0F0"/>
-                </a:solidFill>
-              </a:rPr>
-              <a:t>A </a:t>
-            </a:r>
-            <a:r>
-              <a:rPr lang="fr-FR" sz="1200" dirty="0"/>
-              <a:t>: 816 patients*</a:t>
-            </a:r>
-            <a:r>
-              <a:rPr lang="fr-FR" dirty="0"/>
-              <a:t> </a:t>
-            </a:r>
-          </a:p>
-        </p:txBody>
-      </p:sp>
-      <p:pic>
-        <p:nvPicPr>
           <p:cNvPr id="37" name="Graphique 36">
             <a:extLst>
               <a:ext uri="{FF2B5EF4-FFF2-40B4-BE49-F238E27FC236}">
@@ -42302,13 +41024,13 @@
           <p:nvPr/>
         </p:nvPicPr>
         <p:blipFill rotWithShape="1">
-          <a:blip r:embed="rId8">
+          <a:blip r:embed="rId2">
             <a:extLst>
               <a:ext uri="{28A0092B-C50C-407E-A947-70E740481C1C}">
                 <a14:useLocalDpi xmlns:a14="http://schemas.microsoft.com/office/drawing/2010/main" val="0"/>
               </a:ext>
               <a:ext uri="{96DAC541-7B7A-43D3-8B79-37D633B846F1}">
-                <asvg:svgBlip xmlns:asvg="http://schemas.microsoft.com/office/drawing/2016/SVG/main" r:embed="rId9"/>
+                <asvg:svgBlip xmlns:asvg="http://schemas.microsoft.com/office/drawing/2016/SVG/main" r:embed="rId3"/>
               </a:ext>
             </a:extLst>
           </a:blip>
@@ -42325,137 +41047,6 @@
           </a:prstGeom>
         </p:spPr>
       </p:pic>
-      <p:sp>
-        <p:nvSpPr>
-          <p:cNvPr id="38" name="ZoneTexte 37">
-            <a:extLst>
-              <a:ext uri="{FF2B5EF4-FFF2-40B4-BE49-F238E27FC236}">
-                <a16:creationId xmlns:a16="http://schemas.microsoft.com/office/drawing/2014/main" id="{F593AF83-84BC-4CD8-8118-5E9BFA674D0E}"/>
-              </a:ext>
-            </a:extLst>
-          </p:cNvPr>
-          <p:cNvSpPr txBox="1"/>
-          <p:nvPr/>
-        </p:nvSpPr>
-        <p:spPr>
-          <a:xfrm>
-            <a:off x="6096000" y="4930632"/>
-            <a:ext cx="1362490" cy="307777"/>
-          </a:xfrm>
-          <a:prstGeom prst="rect">
-            <a:avLst/>
-          </a:prstGeom>
-          <a:noFill/>
-        </p:spPr>
-        <p:txBody>
-          <a:bodyPr wrap="square" rtlCol="0">
-            <a:spAutoFit/>
-          </a:bodyPr>
-          <a:lstStyle/>
-          <a:p>
-            <a:r>
-              <a:rPr lang="fr-FR" sz="1400" dirty="0">
-                <a:solidFill>
-                  <a:srgbClr val="666666"/>
-                </a:solidFill>
-                <a:latin typeface="San Francisco Text Bold" panose="02010604030202060204" pitchFamily="2" charset="0"/>
-              </a:rPr>
-              <a:t>INCIDENTS</a:t>
-            </a:r>
-          </a:p>
-        </p:txBody>
-      </p:sp>
-      <p:sp>
-        <p:nvSpPr>
-          <p:cNvPr id="39" name="ZoneTexte 38">
-            <a:extLst>
-              <a:ext uri="{FF2B5EF4-FFF2-40B4-BE49-F238E27FC236}">
-                <a16:creationId xmlns:a16="http://schemas.microsoft.com/office/drawing/2014/main" id="{CC5F8299-9BC4-4B38-99A9-AE8E5E1C4CBE}"/>
-              </a:ext>
-            </a:extLst>
-          </p:cNvPr>
-          <p:cNvSpPr txBox="1"/>
-          <p:nvPr/>
-        </p:nvSpPr>
-        <p:spPr>
-          <a:xfrm>
-            <a:off x="7128458" y="5552697"/>
-            <a:ext cx="504253" cy="253916"/>
-          </a:xfrm>
-          <a:prstGeom prst="rect">
-            <a:avLst/>
-          </a:prstGeom>
-          <a:noFill/>
-        </p:spPr>
-        <p:txBody>
-          <a:bodyPr wrap="square" rtlCol="0">
-            <a:spAutoFit/>
-          </a:bodyPr>
-          <a:lstStyle/>
-          <a:p>
-            <a:r>
-              <a:rPr lang="fr-FR" sz="1050" b="1" dirty="0">
-                <a:solidFill>
-                  <a:schemeClr val="bg1"/>
-                </a:solidFill>
-              </a:rPr>
-              <a:t>50%</a:t>
-            </a:r>
-          </a:p>
-        </p:txBody>
-      </p:sp>
-      <p:sp>
-        <p:nvSpPr>
-          <p:cNvPr id="3" name="Rectangle 2">
-            <a:extLst>
-              <a:ext uri="{FF2B5EF4-FFF2-40B4-BE49-F238E27FC236}">
-                <a16:creationId xmlns:a16="http://schemas.microsoft.com/office/drawing/2014/main" id="{2F6DAD09-A86E-4323-8AC1-F42D9C16388F}"/>
-              </a:ext>
-            </a:extLst>
-          </p:cNvPr>
-          <p:cNvSpPr/>
-          <p:nvPr/>
-        </p:nvSpPr>
-        <p:spPr>
-          <a:xfrm>
-            <a:off x="7458490" y="5325423"/>
-            <a:ext cx="300330" cy="227274"/>
-          </a:xfrm>
-          <a:prstGeom prst="rect">
-            <a:avLst/>
-          </a:prstGeom>
-          <a:solidFill>
-            <a:srgbClr val="930039"/>
-          </a:solidFill>
-          <a:ln>
-            <a:noFill/>
-          </a:ln>
-        </p:spPr>
-        <p:style>
-          <a:lnRef idx="2">
-            <a:schemeClr val="accent1">
-              <a:shade val="50000"/>
-            </a:schemeClr>
-          </a:lnRef>
-          <a:fillRef idx="1">
-            <a:schemeClr val="accent1"/>
-          </a:fillRef>
-          <a:effectRef idx="0">
-            <a:schemeClr val="accent1"/>
-          </a:effectRef>
-          <a:fontRef idx="minor">
-            <a:schemeClr val="lt1"/>
-          </a:fontRef>
-        </p:style>
-        <p:txBody>
-          <a:bodyPr rtlCol="0" anchor="ctr"/>
-          <a:lstStyle/>
-          <a:p>
-            <a:pPr algn="ctr"/>
-            <a:endParaRPr lang="fr-FR"/>
-          </a:p>
-        </p:txBody>
-      </p:sp>
       <p:sp>
         <p:nvSpPr>
           <p:cNvPr id="40" name="ZoneTexte 39">
@@ -42544,58 +41135,36 @@
           </a:p>
         </p:txBody>
       </p:sp>
-      <p:sp>
-        <p:nvSpPr>
-          <p:cNvPr id="7" name="Ellipse 6">
+      <p:pic>
+        <p:nvPicPr>
+          <p:cNvPr id="12" name="Image 11">
             <a:extLst>
               <a:ext uri="{FF2B5EF4-FFF2-40B4-BE49-F238E27FC236}">
-                <a16:creationId xmlns:a16="http://schemas.microsoft.com/office/drawing/2014/main" id="{06E093CB-F7F3-47D5-AB38-C18ADFB260BF}"/>
+                <a16:creationId xmlns:a16="http://schemas.microsoft.com/office/drawing/2014/main" id="{860480E0-32F1-44D5-8B53-8524E0BBC752}"/>
               </a:ext>
             </a:extLst>
           </p:cNvPr>
-          <p:cNvSpPr/>
+          <p:cNvPicPr>
+            <a:picLocks noChangeAspect="1"/>
+          </p:cNvPicPr>
           <p:nvPr/>
-        </p:nvSpPr>
+        </p:nvPicPr>
+        <p:blipFill>
+          <a:blip r:embed="rId4"/>
+          <a:stretch>
+            <a:fillRect/>
+          </a:stretch>
+        </p:blipFill>
         <p:spPr>
           <a:xfrm>
-            <a:off x="10319910" y="2560930"/>
-            <a:ext cx="1930538" cy="473314"/>
+            <a:off x="1511123" y="158846"/>
+            <a:ext cx="10766469" cy="6730567"/>
           </a:xfrm>
-          <a:prstGeom prst="ellipse">
+          <a:prstGeom prst="rect">
             <a:avLst/>
           </a:prstGeom>
-          <a:noFill/>
-          <a:ln>
-            <a:solidFill>
-              <a:schemeClr val="accent4"/>
-            </a:solidFill>
-          </a:ln>
         </p:spPr>
-        <p:style>
-          <a:lnRef idx="2">
-            <a:schemeClr val="accent1">
-              <a:shade val="50000"/>
-            </a:schemeClr>
-          </a:lnRef>
-          <a:fillRef idx="1">
-            <a:schemeClr val="accent1"/>
-          </a:fillRef>
-          <a:effectRef idx="0">
-            <a:schemeClr val="accent1"/>
-          </a:effectRef>
-          <a:fontRef idx="minor">
-            <a:schemeClr val="lt1"/>
-          </a:fontRef>
-        </p:style>
-        <p:txBody>
-          <a:bodyPr rtlCol="0" anchor="ctr"/>
-          <a:lstStyle/>
-          <a:p>
-            <a:pPr algn="ctr"/>
-            <a:endParaRPr lang="en-US"/>
-          </a:p>
-        </p:txBody>
-      </p:sp>
+      </p:pic>
     </p:spTree>
     <p:extLst>
       <p:ext uri="{BB962C8B-B14F-4D97-AF65-F5344CB8AC3E}">
@@ -42606,507 +41175,6 @@
   <p:clrMapOvr>
     <a:masterClrMapping/>
   </p:clrMapOvr>
-  <p:timing>
-    <p:tnLst>
-      <p:par>
-        <p:cTn id="1" dur="indefinite" restart="never" nodeType="tmRoot">
-          <p:childTnLst>
-            <p:seq concurrent="1" nextAc="seek">
-              <p:cTn id="2" dur="indefinite" nodeType="mainSeq">
-                <p:childTnLst>
-                  <p:par>
-                    <p:cTn id="3" fill="hold">
-                      <p:stCondLst>
-                        <p:cond delay="indefinite"/>
-                      </p:stCondLst>
-                      <p:childTnLst>
-                        <p:par>
-                          <p:cTn id="4" fill="hold">
-                            <p:stCondLst>
-                              <p:cond delay="0"/>
-                            </p:stCondLst>
-                            <p:childTnLst>
-                              <p:par>
-                                <p:cTn id="5" presetID="1" presetClass="entr" presetSubtype="0" fill="hold" grpId="0" nodeType="clickEffect">
-                                  <p:stCondLst>
-                                    <p:cond delay="0"/>
-                                  </p:stCondLst>
-                                  <p:childTnLst>
-                                    <p:set>
-                                      <p:cBhvr>
-                                        <p:cTn id="6" dur="1" fill="hold">
-                                          <p:stCondLst>
-                                            <p:cond delay="0"/>
-                                          </p:stCondLst>
-                                        </p:cTn>
-                                        <p:tgtEl>
-                                          <p:spTgt spid="45"/>
-                                        </p:tgtEl>
-                                        <p:attrNameLst>
-                                          <p:attrName>style.visibility</p:attrName>
-                                        </p:attrNameLst>
-                                      </p:cBhvr>
-                                      <p:to>
-                                        <p:strVal val="visible"/>
-                                      </p:to>
-                                    </p:set>
-                                  </p:childTnLst>
-                                </p:cTn>
-                              </p:par>
-                              <p:par>
-                                <p:cTn id="7" presetID="1" presetClass="entr" presetSubtype="0" fill="hold" grpId="0" nodeType="withEffect">
-                                  <p:stCondLst>
-                                    <p:cond delay="0"/>
-                                  </p:stCondLst>
-                                  <p:childTnLst>
-                                    <p:set>
-                                      <p:cBhvr>
-                                        <p:cTn id="8" dur="1" fill="hold">
-                                          <p:stCondLst>
-                                            <p:cond delay="0"/>
-                                          </p:stCondLst>
-                                        </p:cTn>
-                                        <p:tgtEl>
-                                          <p:spTgt spid="90"/>
-                                        </p:tgtEl>
-                                        <p:attrNameLst>
-                                          <p:attrName>style.visibility</p:attrName>
-                                        </p:attrNameLst>
-                                      </p:cBhvr>
-                                      <p:to>
-                                        <p:strVal val="visible"/>
-                                      </p:to>
-                                    </p:set>
-                                  </p:childTnLst>
-                                </p:cTn>
-                              </p:par>
-                              <p:par>
-                                <p:cTn id="9" presetID="1" presetClass="entr" presetSubtype="0" fill="hold" nodeType="withEffect">
-                                  <p:stCondLst>
-                                    <p:cond delay="0"/>
-                                  </p:stCondLst>
-                                  <p:childTnLst>
-                                    <p:set>
-                                      <p:cBhvr>
-                                        <p:cTn id="10" dur="1" fill="hold">
-                                          <p:stCondLst>
-                                            <p:cond delay="0"/>
-                                          </p:stCondLst>
-                                        </p:cTn>
-                                        <p:tgtEl>
-                                          <p:spTgt spid="13"/>
-                                        </p:tgtEl>
-                                        <p:attrNameLst>
-                                          <p:attrName>style.visibility</p:attrName>
-                                        </p:attrNameLst>
-                                      </p:cBhvr>
-                                      <p:to>
-                                        <p:strVal val="visible"/>
-                                      </p:to>
-                                    </p:set>
-                                  </p:childTnLst>
-                                </p:cTn>
-                              </p:par>
-                              <p:par>
-                                <p:cTn id="11" presetID="1" presetClass="entr" presetSubtype="0" fill="hold" grpId="0" nodeType="withEffect">
-                                  <p:stCondLst>
-                                    <p:cond delay="0"/>
-                                  </p:stCondLst>
-                                  <p:childTnLst>
-                                    <p:set>
-                                      <p:cBhvr>
-                                        <p:cTn id="12" dur="1" fill="hold">
-                                          <p:stCondLst>
-                                            <p:cond delay="0"/>
-                                          </p:stCondLst>
-                                        </p:cTn>
-                                        <p:tgtEl>
-                                          <p:spTgt spid="46"/>
-                                        </p:tgtEl>
-                                        <p:attrNameLst>
-                                          <p:attrName>style.visibility</p:attrName>
-                                        </p:attrNameLst>
-                                      </p:cBhvr>
-                                      <p:to>
-                                        <p:strVal val="visible"/>
-                                      </p:to>
-                                    </p:set>
-                                  </p:childTnLst>
-                                </p:cTn>
-                              </p:par>
-                            </p:childTnLst>
-                          </p:cTn>
-                        </p:par>
-                      </p:childTnLst>
-                    </p:cTn>
-                  </p:par>
-                  <p:par>
-                    <p:cTn id="13" fill="hold">
-                      <p:stCondLst>
-                        <p:cond delay="indefinite"/>
-                      </p:stCondLst>
-                      <p:childTnLst>
-                        <p:par>
-                          <p:cTn id="14" fill="hold">
-                            <p:stCondLst>
-                              <p:cond delay="0"/>
-                            </p:stCondLst>
-                            <p:childTnLst>
-                              <p:par>
-                                <p:cTn id="15" presetID="1" presetClass="entr" presetSubtype="0" fill="hold" nodeType="clickEffect">
-                                  <p:stCondLst>
-                                    <p:cond delay="0"/>
-                                  </p:stCondLst>
-                                  <p:childTnLst>
-                                    <p:set>
-                                      <p:cBhvr>
-                                        <p:cTn id="16" dur="1" fill="hold">
-                                          <p:stCondLst>
-                                            <p:cond delay="0"/>
-                                          </p:stCondLst>
-                                        </p:cTn>
-                                        <p:tgtEl>
-                                          <p:spTgt spid="33"/>
-                                        </p:tgtEl>
-                                        <p:attrNameLst>
-                                          <p:attrName>style.visibility</p:attrName>
-                                        </p:attrNameLst>
-                                      </p:cBhvr>
-                                      <p:to>
-                                        <p:strVal val="visible"/>
-                                      </p:to>
-                                    </p:set>
-                                  </p:childTnLst>
-                                </p:cTn>
-                              </p:par>
-                              <p:par>
-                                <p:cTn id="17" presetID="1" presetClass="entr" presetSubtype="0" fill="hold" grpId="0" nodeType="withEffect">
-                                  <p:stCondLst>
-                                    <p:cond delay="0"/>
-                                  </p:stCondLst>
-                                  <p:childTnLst>
-                                    <p:set>
-                                      <p:cBhvr>
-                                        <p:cTn id="18" dur="1" fill="hold">
-                                          <p:stCondLst>
-                                            <p:cond delay="0"/>
-                                          </p:stCondLst>
-                                        </p:cTn>
-                                        <p:tgtEl>
-                                          <p:spTgt spid="42"/>
-                                        </p:tgtEl>
-                                        <p:attrNameLst>
-                                          <p:attrName>style.visibility</p:attrName>
-                                        </p:attrNameLst>
-                                      </p:cBhvr>
-                                      <p:to>
-                                        <p:strVal val="visible"/>
-                                      </p:to>
-                                    </p:set>
-                                  </p:childTnLst>
-                                </p:cTn>
-                              </p:par>
-                              <p:par>
-                                <p:cTn id="19" presetID="1" presetClass="entr" presetSubtype="0" fill="hold" grpId="0" nodeType="withEffect">
-                                  <p:stCondLst>
-                                    <p:cond delay="0"/>
-                                  </p:stCondLst>
-                                  <p:childTnLst>
-                                    <p:set>
-                                      <p:cBhvr>
-                                        <p:cTn id="20" dur="1" fill="hold">
-                                          <p:stCondLst>
-                                            <p:cond delay="0"/>
-                                          </p:stCondLst>
-                                        </p:cTn>
-                                        <p:tgtEl>
-                                          <p:spTgt spid="89"/>
-                                        </p:tgtEl>
-                                        <p:attrNameLst>
-                                          <p:attrName>style.visibility</p:attrName>
-                                        </p:attrNameLst>
-                                      </p:cBhvr>
-                                      <p:to>
-                                        <p:strVal val="visible"/>
-                                      </p:to>
-                                    </p:set>
-                                  </p:childTnLst>
-                                </p:cTn>
-                              </p:par>
-                              <p:par>
-                                <p:cTn id="21" presetID="1" presetClass="entr" presetSubtype="0" fill="hold" nodeType="withEffect">
-                                  <p:stCondLst>
-                                    <p:cond delay="0"/>
-                                  </p:stCondLst>
-                                  <p:childTnLst>
-                                    <p:set>
-                                      <p:cBhvr>
-                                        <p:cTn id="22" dur="1" fill="hold">
-                                          <p:stCondLst>
-                                            <p:cond delay="0"/>
-                                          </p:stCondLst>
-                                        </p:cTn>
-                                        <p:tgtEl>
-                                          <p:spTgt spid="11"/>
-                                        </p:tgtEl>
-                                        <p:attrNameLst>
-                                          <p:attrName>style.visibility</p:attrName>
-                                        </p:attrNameLst>
-                                      </p:cBhvr>
-                                      <p:to>
-                                        <p:strVal val="visible"/>
-                                      </p:to>
-                                    </p:set>
-                                  </p:childTnLst>
-                                </p:cTn>
-                              </p:par>
-                              <p:par>
-                                <p:cTn id="23" presetID="1" presetClass="entr" presetSubtype="0" fill="hold" grpId="0" nodeType="withEffect">
-                                  <p:stCondLst>
-                                    <p:cond delay="0"/>
-                                  </p:stCondLst>
-                                  <p:childTnLst>
-                                    <p:set>
-                                      <p:cBhvr>
-                                        <p:cTn id="24" dur="1" fill="hold">
-                                          <p:stCondLst>
-                                            <p:cond delay="0"/>
-                                          </p:stCondLst>
-                                        </p:cTn>
-                                        <p:tgtEl>
-                                          <p:spTgt spid="48"/>
-                                        </p:tgtEl>
-                                        <p:attrNameLst>
-                                          <p:attrName>style.visibility</p:attrName>
-                                        </p:attrNameLst>
-                                      </p:cBhvr>
-                                      <p:to>
-                                        <p:strVal val="visible"/>
-                                      </p:to>
-                                    </p:set>
-                                  </p:childTnLst>
-                                </p:cTn>
-                              </p:par>
-                              <p:par>
-                                <p:cTn id="25" presetID="1" presetClass="entr" presetSubtype="0" fill="hold" grpId="0" nodeType="withEffect">
-                                  <p:stCondLst>
-                                    <p:cond delay="0"/>
-                                  </p:stCondLst>
-                                  <p:childTnLst>
-                                    <p:set>
-                                      <p:cBhvr>
-                                        <p:cTn id="26" dur="1" fill="hold">
-                                          <p:stCondLst>
-                                            <p:cond delay="0"/>
-                                          </p:stCondLst>
-                                        </p:cTn>
-                                        <p:tgtEl>
-                                          <p:spTgt spid="7"/>
-                                        </p:tgtEl>
-                                        <p:attrNameLst>
-                                          <p:attrName>style.visibility</p:attrName>
-                                        </p:attrNameLst>
-                                      </p:cBhvr>
-                                      <p:to>
-                                        <p:strVal val="visible"/>
-                                      </p:to>
-                                    </p:set>
-                                  </p:childTnLst>
-                                </p:cTn>
-                              </p:par>
-                            </p:childTnLst>
-                          </p:cTn>
-                        </p:par>
-                      </p:childTnLst>
-                    </p:cTn>
-                  </p:par>
-                  <p:par>
-                    <p:cTn id="27" fill="hold">
-                      <p:stCondLst>
-                        <p:cond delay="indefinite"/>
-                      </p:stCondLst>
-                      <p:childTnLst>
-                        <p:par>
-                          <p:cTn id="28" fill="hold">
-                            <p:stCondLst>
-                              <p:cond delay="0"/>
-                            </p:stCondLst>
-                            <p:childTnLst>
-                              <p:par>
-                                <p:cTn id="29" presetID="1" presetClass="entr" presetSubtype="0" fill="hold" grpId="0" nodeType="clickEffect">
-                                  <p:stCondLst>
-                                    <p:cond delay="0"/>
-                                  </p:stCondLst>
-                                  <p:childTnLst>
-                                    <p:set>
-                                      <p:cBhvr>
-                                        <p:cTn id="30" dur="1" fill="hold">
-                                          <p:stCondLst>
-                                            <p:cond delay="0"/>
-                                          </p:stCondLst>
-                                        </p:cTn>
-                                        <p:tgtEl>
-                                          <p:spTgt spid="41"/>
-                                        </p:tgtEl>
-                                        <p:attrNameLst>
-                                          <p:attrName>style.visibility</p:attrName>
-                                        </p:attrNameLst>
-                                      </p:cBhvr>
-                                      <p:to>
-                                        <p:strVal val="visible"/>
-                                      </p:to>
-                                    </p:set>
-                                  </p:childTnLst>
-                                </p:cTn>
-                              </p:par>
-                              <p:par>
-                                <p:cTn id="31" presetID="1" presetClass="entr" presetSubtype="0" fill="hold" nodeType="withEffect">
-                                  <p:stCondLst>
-                                    <p:cond delay="0"/>
-                                  </p:stCondLst>
-                                  <p:childTnLst>
-                                    <p:set>
-                                      <p:cBhvr>
-                                        <p:cTn id="32" dur="1" fill="hold">
-                                          <p:stCondLst>
-                                            <p:cond delay="0"/>
-                                          </p:stCondLst>
-                                        </p:cTn>
-                                        <p:tgtEl>
-                                          <p:spTgt spid="30"/>
-                                        </p:tgtEl>
-                                        <p:attrNameLst>
-                                          <p:attrName>style.visibility</p:attrName>
-                                        </p:attrNameLst>
-                                      </p:cBhvr>
-                                      <p:to>
-                                        <p:strVal val="visible"/>
-                                      </p:to>
-                                    </p:set>
-                                  </p:childTnLst>
-                                </p:cTn>
-                              </p:par>
-                              <p:par>
-                                <p:cTn id="33" presetID="1" presetClass="entr" presetSubtype="0" fill="hold" grpId="0" nodeType="withEffect">
-                                  <p:stCondLst>
-                                    <p:cond delay="0"/>
-                                  </p:stCondLst>
-                                  <p:childTnLst>
-                                    <p:set>
-                                      <p:cBhvr>
-                                        <p:cTn id="34" dur="1" fill="hold">
-                                          <p:stCondLst>
-                                            <p:cond delay="0"/>
-                                          </p:stCondLst>
-                                        </p:cTn>
-                                        <p:tgtEl>
-                                          <p:spTgt spid="88"/>
-                                        </p:tgtEl>
-                                        <p:attrNameLst>
-                                          <p:attrName>style.visibility</p:attrName>
-                                        </p:attrNameLst>
-                                      </p:cBhvr>
-                                      <p:to>
-                                        <p:strVal val="visible"/>
-                                      </p:to>
-                                    </p:set>
-                                  </p:childTnLst>
-                                </p:cTn>
-                              </p:par>
-                              <p:par>
-                                <p:cTn id="35" presetID="1" presetClass="entr" presetSubtype="0" fill="hold" nodeType="withEffect">
-                                  <p:stCondLst>
-                                    <p:cond delay="0"/>
-                                  </p:stCondLst>
-                                  <p:childTnLst>
-                                    <p:set>
-                                      <p:cBhvr>
-                                        <p:cTn id="36" dur="1" fill="hold">
-                                          <p:stCondLst>
-                                            <p:cond delay="0"/>
-                                          </p:stCondLst>
-                                        </p:cTn>
-                                        <p:tgtEl>
-                                          <p:spTgt spid="8"/>
-                                        </p:tgtEl>
-                                        <p:attrNameLst>
-                                          <p:attrName>style.visibility</p:attrName>
-                                        </p:attrNameLst>
-                                      </p:cBhvr>
-                                      <p:to>
-                                        <p:strVal val="visible"/>
-                                      </p:to>
-                                    </p:set>
-                                  </p:childTnLst>
-                                </p:cTn>
-                              </p:par>
-                              <p:par>
-                                <p:cTn id="37" presetID="1" presetClass="entr" presetSubtype="0" fill="hold" grpId="0" nodeType="withEffect">
-                                  <p:stCondLst>
-                                    <p:cond delay="0"/>
-                                  </p:stCondLst>
-                                  <p:childTnLst>
-                                    <p:set>
-                                      <p:cBhvr>
-                                        <p:cTn id="38" dur="1" fill="hold">
-                                          <p:stCondLst>
-                                            <p:cond delay="0"/>
-                                          </p:stCondLst>
-                                        </p:cTn>
-                                        <p:tgtEl>
-                                          <p:spTgt spid="47"/>
-                                        </p:tgtEl>
-                                        <p:attrNameLst>
-                                          <p:attrName>style.visibility</p:attrName>
-                                        </p:attrNameLst>
-                                      </p:cBhvr>
-                                      <p:to>
-                                        <p:strVal val="visible"/>
-                                      </p:to>
-                                    </p:set>
-                                  </p:childTnLst>
-                                </p:cTn>
-                              </p:par>
-                            </p:childTnLst>
-                          </p:cTn>
-                        </p:par>
-                      </p:childTnLst>
-                    </p:cTn>
-                  </p:par>
-                </p:childTnLst>
-              </p:cTn>
-              <p:prevCondLst>
-                <p:cond evt="onPrev" delay="0">
-                  <p:tgtEl>
-                    <p:sldTgt/>
-                  </p:tgtEl>
-                </p:cond>
-              </p:prevCondLst>
-              <p:nextCondLst>
-                <p:cond evt="onNext" delay="0">
-                  <p:tgtEl>
-                    <p:sldTgt/>
-                  </p:tgtEl>
-                </p:cond>
-              </p:nextCondLst>
-            </p:seq>
-          </p:childTnLst>
-        </p:cTn>
-      </p:par>
-    </p:tnLst>
-    <p:bldLst>
-      <p:bldP spid="41" grpId="0"/>
-      <p:bldP spid="42" grpId="0"/>
-      <p:bldP spid="45" grpId="0"/>
-      <p:bldP spid="46" grpId="0"/>
-      <p:bldP spid="48" grpId="0"/>
-      <p:bldP spid="47" grpId="0"/>
-      <p:bldP spid="88" grpId="0" animBg="1"/>
-      <p:bldP spid="89" grpId="0" animBg="1"/>
-      <p:bldP spid="90" grpId="0" animBg="1"/>
-      <p:bldP spid="7" grpId="0" animBg="1"/>
-    </p:bldLst>
-  </p:timing>
 </p:sld>
 </file>
 
